--- a/CRYPTO.pptx
+++ b/CRYPTO.pptx
@@ -5,7 +5,7 @@
     <p:sldMasterId id="2147483648" r:id="rId4"/>
   </p:sldMasterIdLst>
   <p:notesMasterIdLst>
-    <p:notesMasterId r:id="rId30"/>
+    <p:notesMasterId r:id="rId31"/>
   </p:notesMasterIdLst>
   <p:sldIdLst>
     <p:sldId id="530" r:id="rId5"/>
@@ -15,24 +15,25 @@
     <p:sldId id="534" r:id="rId9"/>
     <p:sldId id="535" r:id="rId10"/>
     <p:sldId id="536" r:id="rId11"/>
-    <p:sldId id="548" r:id="rId12"/>
-    <p:sldId id="552" r:id="rId13"/>
-    <p:sldId id="558" r:id="rId14"/>
-    <p:sldId id="547" r:id="rId15"/>
-    <p:sldId id="553" r:id="rId16"/>
-    <p:sldId id="554" r:id="rId17"/>
-    <p:sldId id="559" r:id="rId18"/>
-    <p:sldId id="550" r:id="rId19"/>
-    <p:sldId id="555" r:id="rId20"/>
-    <p:sldId id="556" r:id="rId21"/>
-    <p:sldId id="560" r:id="rId22"/>
-    <p:sldId id="551" r:id="rId23"/>
-    <p:sldId id="563" r:id="rId24"/>
-    <p:sldId id="557" r:id="rId25"/>
-    <p:sldId id="562" r:id="rId26"/>
-    <p:sldId id="561" r:id="rId27"/>
-    <p:sldId id="564" r:id="rId28"/>
-    <p:sldId id="544" r:id="rId29"/>
+    <p:sldId id="567" r:id="rId12"/>
+    <p:sldId id="548" r:id="rId13"/>
+    <p:sldId id="552" r:id="rId14"/>
+    <p:sldId id="558" r:id="rId15"/>
+    <p:sldId id="547" r:id="rId16"/>
+    <p:sldId id="553" r:id="rId17"/>
+    <p:sldId id="554" r:id="rId18"/>
+    <p:sldId id="559" r:id="rId19"/>
+    <p:sldId id="550" r:id="rId20"/>
+    <p:sldId id="555" r:id="rId21"/>
+    <p:sldId id="556" r:id="rId22"/>
+    <p:sldId id="560" r:id="rId23"/>
+    <p:sldId id="551" r:id="rId24"/>
+    <p:sldId id="563" r:id="rId25"/>
+    <p:sldId id="557" r:id="rId26"/>
+    <p:sldId id="562" r:id="rId27"/>
+    <p:sldId id="561" r:id="rId28"/>
+    <p:sldId id="564" r:id="rId29"/>
+    <p:sldId id="544" r:id="rId30"/>
   </p:sldIdLst>
   <p:sldSz cx="12192000" cy="6858000"/>
   <p:notesSz cx="6858000" cy="9144000"/>
@@ -154,7 +155,7 @@
 <file path=ppt/revisionInfo.xml><?xml version="1.0" encoding="utf-8"?>
 <p1510:revInfo xmlns:a="http://schemas.openxmlformats.org/drawingml/2006/main" xmlns:r="http://schemas.openxmlformats.org/officeDocument/2006/relationships" xmlns:p1510="http://schemas.microsoft.com/office/powerpoint/2015/10/main">
   <p1510:revLst>
-    <p1510:client id="{B837E4E4-A97A-4704-A6C2-45D38C6003AD}" v="65" dt="2026-01-11T04:52:46.028"/>
+    <p1510:client id="{B837E4E4-A97A-4704-A6C2-45D38C6003AD}" v="68" dt="2026-02-02T14:30:31.954"/>
   </p1510:revLst>
 </p1510:revInfo>
 </file>
@@ -164,7 +165,7 @@
   <pc:docChgLst>
     <pc:chgData name="Atturu Jaganmohanreddy" userId="02001174c0b35c01" providerId="LiveId" clId="{C8E0087E-1F7E-4FB4-895F-C04A2D399884}"/>
     <pc:docChg chg="undo redo custSel addSld delSld modSld sldOrd">
-      <pc:chgData name="Atturu Jaganmohanreddy" userId="02001174c0b35c01" providerId="LiveId" clId="{C8E0087E-1F7E-4FB4-895F-C04A2D399884}" dt="2026-01-12T15:10:17.149" v="5444" actId="14100"/>
+      <pc:chgData name="Atturu Jaganmohanreddy" userId="02001174c0b35c01" providerId="LiveId" clId="{C8E0087E-1F7E-4FB4-895F-C04A2D399884}" dt="2026-02-02T14:31:07.965" v="6018" actId="20577"/>
       <pc:docMkLst>
         <pc:docMk/>
       </pc:docMkLst>
@@ -250,70 +251,6 @@
           <pc:docMk/>
           <pc:sldMk cId="1372651910" sldId="535"/>
         </pc:sldMkLst>
-        <pc:spChg chg="add">
-          <ac:chgData name="Atturu Jaganmohanreddy" userId="02001174c0b35c01" providerId="LiveId" clId="{C8E0087E-1F7E-4FB4-895F-C04A2D399884}" dt="2025-12-31T15:05:24.419" v="0" actId="11529"/>
-          <ac:spMkLst>
-            <pc:docMk/>
-            <pc:sldMk cId="1372651910" sldId="535"/>
-            <ac:spMk id="2" creationId="{F12B0A89-9643-C3C3-8A8D-4A5B9EC3AE0C}"/>
-          </ac:spMkLst>
-        </pc:spChg>
-        <pc:spChg chg="add mod">
-          <ac:chgData name="Atturu Jaganmohanreddy" userId="02001174c0b35c01" providerId="LiveId" clId="{C8E0087E-1F7E-4FB4-895F-C04A2D399884}" dt="2025-12-31T15:05:36.950" v="2" actId="1076"/>
-          <ac:spMkLst>
-            <pc:docMk/>
-            <pc:sldMk cId="1372651910" sldId="535"/>
-            <ac:spMk id="4" creationId="{C65DB73E-F2C4-9E4A-7413-E9B29EA53EFC}"/>
-          </ac:spMkLst>
-        </pc:spChg>
-        <pc:spChg chg="add del mod">
-          <ac:chgData name="Atturu Jaganmohanreddy" userId="02001174c0b35c01" providerId="LiveId" clId="{C8E0087E-1F7E-4FB4-895F-C04A2D399884}" dt="2025-12-31T15:07:16.304" v="18" actId="1076"/>
-          <ac:spMkLst>
-            <pc:docMk/>
-            <pc:sldMk cId="1372651910" sldId="535"/>
-            <ac:spMk id="6" creationId="{091738AD-6042-3319-CDE4-E7E76B5D0418}"/>
-          </ac:spMkLst>
-        </pc:spChg>
-        <pc:spChg chg="add mod">
-          <ac:chgData name="Atturu Jaganmohanreddy" userId="02001174c0b35c01" providerId="LiveId" clId="{C8E0087E-1F7E-4FB4-895F-C04A2D399884}" dt="2025-12-31T15:05:55.485" v="6" actId="1076"/>
-          <ac:spMkLst>
-            <pc:docMk/>
-            <pc:sldMk cId="1372651910" sldId="535"/>
-            <ac:spMk id="7" creationId="{E701D66A-7F14-7F37-CEF9-4616F1351690}"/>
-          </ac:spMkLst>
-        </pc:spChg>
-        <pc:spChg chg="add mod">
-          <ac:chgData name="Atturu Jaganmohanreddy" userId="02001174c0b35c01" providerId="LiveId" clId="{C8E0087E-1F7E-4FB4-895F-C04A2D399884}" dt="2025-12-31T15:06:05.392" v="8" actId="1076"/>
-          <ac:spMkLst>
-            <pc:docMk/>
-            <pc:sldMk cId="1372651910" sldId="535"/>
-            <ac:spMk id="8" creationId="{A6DE55E0-F295-BA28-4A92-6057F04B9575}"/>
-          </ac:spMkLst>
-        </pc:spChg>
-        <pc:spChg chg="add mod">
-          <ac:chgData name="Atturu Jaganmohanreddy" userId="02001174c0b35c01" providerId="LiveId" clId="{C8E0087E-1F7E-4FB4-895F-C04A2D399884}" dt="2025-12-31T15:07:45.712" v="20" actId="1076"/>
-          <ac:spMkLst>
-            <pc:docMk/>
-            <pc:sldMk cId="1372651910" sldId="535"/>
-            <ac:spMk id="9" creationId="{E2A93BA9-02F1-4159-B5AA-350EEF68E533}"/>
-          </ac:spMkLst>
-        </pc:spChg>
-        <pc:spChg chg="mod">
-          <ac:chgData name="Atturu Jaganmohanreddy" userId="02001174c0b35c01" providerId="LiveId" clId="{C8E0087E-1F7E-4FB4-895F-C04A2D399884}" dt="2025-12-31T15:06:48.508" v="11" actId="1076"/>
-          <ac:spMkLst>
-            <pc:docMk/>
-            <pc:sldMk cId="1372651910" sldId="535"/>
-            <ac:spMk id="12" creationId="{C711961A-2C8D-6993-95C1-1D18E45C9D9D}"/>
-          </ac:spMkLst>
-        </pc:spChg>
-        <pc:spChg chg="add mod">
-          <ac:chgData name="Atturu Jaganmohanreddy" userId="02001174c0b35c01" providerId="LiveId" clId="{C8E0087E-1F7E-4FB4-895F-C04A2D399884}" dt="2025-12-31T15:08:20.549" v="23" actId="1076"/>
-          <ac:spMkLst>
-            <pc:docMk/>
-            <pc:sldMk cId="1372651910" sldId="535"/>
-            <ac:spMk id="13" creationId="{5849EFD9-301D-C350-38B4-07DF3C11E6F3}"/>
-          </ac:spMkLst>
-        </pc:spChg>
         <pc:spChg chg="mod">
           <ac:chgData name="Atturu Jaganmohanreddy" userId="02001174c0b35c01" providerId="LiveId" clId="{C8E0087E-1F7E-4FB4-895F-C04A2D399884}" dt="2026-01-06T14:25:28.011" v="4656" actId="115"/>
           <ac:spMkLst>
@@ -378,81 +315,12 @@
           </ac:spMkLst>
         </pc:spChg>
       </pc:sldChg>
-      <pc:sldChg chg="modSp mod">
-        <pc:chgData name="Atturu Jaganmohanreddy" userId="02001174c0b35c01" providerId="LiveId" clId="{C8E0087E-1F7E-4FB4-895F-C04A2D399884}" dt="2026-01-02T16:48:08.515" v="3209" actId="313"/>
-        <pc:sldMkLst>
-          <pc:docMk/>
-          <pc:sldMk cId="1877701230" sldId="544"/>
-        </pc:sldMkLst>
-        <pc:spChg chg="mod">
-          <ac:chgData name="Atturu Jaganmohanreddy" userId="02001174c0b35c01" providerId="LiveId" clId="{C8E0087E-1F7E-4FB4-895F-C04A2D399884}" dt="2026-01-02T16:48:08.515" v="3209" actId="313"/>
-          <ac:spMkLst>
-            <pc:docMk/>
-            <pc:sldMk cId="1877701230" sldId="544"/>
-            <ac:spMk id="3" creationId="{55519D01-29BE-BE76-41C5-9D58AD8119DC}"/>
-          </ac:spMkLst>
-        </pc:spChg>
-      </pc:sldChg>
-      <pc:sldChg chg="modSp new mod">
-        <pc:chgData name="Atturu Jaganmohanreddy" userId="02001174c0b35c01" providerId="LiveId" clId="{C8E0087E-1F7E-4FB4-895F-C04A2D399884}" dt="2025-12-31T17:36:11.216" v="1201" actId="5793"/>
-        <pc:sldMkLst>
-          <pc:docMk/>
-          <pc:sldMk cId="1065053760" sldId="547"/>
-        </pc:sldMkLst>
-        <pc:spChg chg="mod">
-          <ac:chgData name="Atturu Jaganmohanreddy" userId="02001174c0b35c01" providerId="LiveId" clId="{C8E0087E-1F7E-4FB4-895F-C04A2D399884}" dt="2025-12-31T17:25:27.417" v="599" actId="14100"/>
-          <ac:spMkLst>
-            <pc:docMk/>
-            <pc:sldMk cId="1065053760" sldId="547"/>
-            <ac:spMk id="2" creationId="{DCC23403-3989-A827-252C-B7AE383DDD0C}"/>
-          </ac:spMkLst>
-        </pc:spChg>
-        <pc:spChg chg="mod">
-          <ac:chgData name="Atturu Jaganmohanreddy" userId="02001174c0b35c01" providerId="LiveId" clId="{C8E0087E-1F7E-4FB4-895F-C04A2D399884}" dt="2025-12-31T17:36:11.216" v="1201" actId="5793"/>
-          <ac:spMkLst>
-            <pc:docMk/>
-            <pc:sldMk cId="1065053760" sldId="547"/>
-            <ac:spMk id="3" creationId="{EE7920F2-162F-EB97-3019-75009907D771}"/>
-          </ac:spMkLst>
-        </pc:spChg>
-      </pc:sldChg>
-      <pc:sldChg chg="modSp add mod ord">
-        <pc:chgData name="Atturu Jaganmohanreddy" userId="02001174c0b35c01" providerId="LiveId" clId="{C8E0087E-1F7E-4FB4-895F-C04A2D399884}" dt="2025-12-31T17:35:28.081" v="1192" actId="207"/>
-        <pc:sldMkLst>
-          <pc:docMk/>
-          <pc:sldMk cId="529771049" sldId="548"/>
-        </pc:sldMkLst>
-        <pc:spChg chg="mod">
-          <ac:chgData name="Atturu Jaganmohanreddy" userId="02001174c0b35c01" providerId="LiveId" clId="{C8E0087E-1F7E-4FB4-895F-C04A2D399884}" dt="2025-12-31T17:31:36.484" v="823" actId="20577"/>
-          <ac:spMkLst>
-            <pc:docMk/>
-            <pc:sldMk cId="529771049" sldId="548"/>
-            <ac:spMk id="2" creationId="{56C5185A-D8E7-31CB-F4A6-F9E717484026}"/>
-          </ac:spMkLst>
-        </pc:spChg>
-        <pc:spChg chg="mod">
-          <ac:chgData name="Atturu Jaganmohanreddy" userId="02001174c0b35c01" providerId="LiveId" clId="{C8E0087E-1F7E-4FB4-895F-C04A2D399884}" dt="2025-12-31T17:35:28.081" v="1192" actId="207"/>
-          <ac:spMkLst>
-            <pc:docMk/>
-            <pc:sldMk cId="529771049" sldId="548"/>
-            <ac:spMk id="3" creationId="{E57FC631-AF12-23FF-F61C-CB834F69C7AF}"/>
-          </ac:spMkLst>
-        </pc:spChg>
-      </pc:sldChg>
       <pc:sldChg chg="modSp add mod ord">
         <pc:chgData name="Atturu Jaganmohanreddy" userId="02001174c0b35c01" providerId="LiveId" clId="{C8E0087E-1F7E-4FB4-895F-C04A2D399884}" dt="2026-01-06T14:26:43.369" v="4668" actId="113"/>
         <pc:sldMkLst>
           <pc:docMk/>
           <pc:sldMk cId="1249734882" sldId="550"/>
         </pc:sldMkLst>
-        <pc:spChg chg="mod">
-          <ac:chgData name="Atturu Jaganmohanreddy" userId="02001174c0b35c01" providerId="LiveId" clId="{C8E0087E-1F7E-4FB4-895F-C04A2D399884}" dt="2026-01-02T14:46:06.652" v="1493" actId="20577"/>
-          <ac:spMkLst>
-            <pc:docMk/>
-            <pc:sldMk cId="1249734882" sldId="550"/>
-            <ac:spMk id="2" creationId="{1532EEB7-9069-5909-8DAE-4AC6D0020C22}"/>
-          </ac:spMkLst>
-        </pc:spChg>
         <pc:spChg chg="mod">
           <ac:chgData name="Atturu Jaganmohanreddy" userId="02001174c0b35c01" providerId="LiveId" clId="{C8E0087E-1F7E-4FB4-895F-C04A2D399884}" dt="2026-01-06T14:26:43.369" v="4668" actId="113"/>
           <ac:spMkLst>
@@ -468,14 +336,6 @@
           <pc:docMk/>
           <pc:sldMk cId="588274421" sldId="551"/>
         </pc:sldMkLst>
-        <pc:spChg chg="mod">
-          <ac:chgData name="Atturu Jaganmohanreddy" userId="02001174c0b35c01" providerId="LiveId" clId="{C8E0087E-1F7E-4FB4-895F-C04A2D399884}" dt="2026-01-02T14:49:02.300" v="1882" actId="20577"/>
-          <ac:spMkLst>
-            <pc:docMk/>
-            <pc:sldMk cId="588274421" sldId="551"/>
-            <ac:spMk id="2" creationId="{B34FBEE6-E24F-DDA1-4D13-75063A00FB89}"/>
-          </ac:spMkLst>
-        </pc:spChg>
         <pc:spChg chg="mod">
           <ac:chgData name="Atturu Jaganmohanreddy" userId="02001174c0b35c01" providerId="LiveId" clId="{C8E0087E-1F7E-4FB4-895F-C04A2D399884}" dt="2026-01-06T14:24:13.758" v="4645" actId="113"/>
           <ac:spMkLst>
@@ -538,14 +398,6 @@
           <pc:docMk/>
           <pc:sldMk cId="4070215954" sldId="553"/>
         </pc:sldMkLst>
-        <pc:spChg chg="mod">
-          <ac:chgData name="Atturu Jaganmohanreddy" userId="02001174c0b35c01" providerId="LiveId" clId="{C8E0087E-1F7E-4FB4-895F-C04A2D399884}" dt="2026-01-02T15:18:51.623" v="2853" actId="1076"/>
-          <ac:spMkLst>
-            <pc:docMk/>
-            <pc:sldMk cId="4070215954" sldId="553"/>
-            <ac:spMk id="3" creationId="{AF41A153-E52D-B3C3-C195-324A6D06F862}"/>
-          </ac:spMkLst>
-        </pc:spChg>
         <pc:spChg chg="add mod">
           <ac:chgData name="Atturu Jaganmohanreddy" userId="02001174c0b35c01" providerId="LiveId" clId="{C8E0087E-1F7E-4FB4-895F-C04A2D399884}" dt="2026-01-06T14:26:20.846" v="4663" actId="5793"/>
           <ac:spMkLst>
@@ -561,14 +413,6 @@
           <pc:docMk/>
           <pc:sldMk cId="2794309584" sldId="554"/>
         </pc:sldMkLst>
-        <pc:spChg chg="mod">
-          <ac:chgData name="Atturu Jaganmohanreddy" userId="02001174c0b35c01" providerId="LiveId" clId="{C8E0087E-1F7E-4FB4-895F-C04A2D399884}" dt="2026-01-02T15:28:04.177" v="3127" actId="1076"/>
-          <ac:spMkLst>
-            <pc:docMk/>
-            <pc:sldMk cId="2794309584" sldId="554"/>
-            <ac:spMk id="2" creationId="{4BB72130-F89E-251E-A54F-B3353DC2B641}"/>
-          </ac:spMkLst>
-        </pc:spChg>
         <pc:spChg chg="mod">
           <ac:chgData name="Atturu Jaganmohanreddy" userId="02001174c0b35c01" providerId="LiveId" clId="{C8E0087E-1F7E-4FB4-895F-C04A2D399884}" dt="2026-01-06T14:26:29.730" v="4665" actId="5793"/>
           <ac:spMkLst>
@@ -809,7 +653,7 @@
         </pc:spChg>
       </pc:sldChg>
       <pc:sldChg chg="addSp delSp modSp add mod">
-        <pc:chgData name="Atturu Jaganmohanreddy" userId="02001174c0b35c01" providerId="LiveId" clId="{C8E0087E-1F7E-4FB4-895F-C04A2D399884}" dt="2026-01-12T14:43:35.400" v="5408" actId="113"/>
+        <pc:chgData name="Atturu Jaganmohanreddy" userId="02001174c0b35c01" providerId="LiveId" clId="{C8E0087E-1F7E-4FB4-895F-C04A2D399884}" dt="2026-01-13T14:35:34.706" v="5446" actId="113"/>
         <pc:sldMkLst>
           <pc:docMk/>
           <pc:sldMk cId="2604496396" sldId="566"/>
@@ -822,16 +666,8 @@
             <ac:spMk id="2" creationId="{6B5D1A0B-236C-CB81-95A7-D6803EA4CB53}"/>
           </ac:spMkLst>
         </pc:spChg>
-        <pc:spChg chg="del mod">
-          <ac:chgData name="Atturu Jaganmohanreddy" userId="02001174c0b35c01" providerId="LiveId" clId="{C8E0087E-1F7E-4FB4-895F-C04A2D399884}" dt="2026-01-11T04:50:22.056" v="5346"/>
-          <ac:spMkLst>
-            <pc:docMk/>
-            <pc:sldMk cId="2604496396" sldId="566"/>
-            <ac:spMk id="3" creationId="{1639D24D-1910-19D6-649F-D5FABE3BA1D8}"/>
-          </ac:spMkLst>
-        </pc:spChg>
         <pc:spChg chg="add mod">
-          <ac:chgData name="Atturu Jaganmohanreddy" userId="02001174c0b35c01" providerId="LiveId" clId="{C8E0087E-1F7E-4FB4-895F-C04A2D399884}" dt="2026-01-12T14:43:35.400" v="5408" actId="113"/>
+          <ac:chgData name="Atturu Jaganmohanreddy" userId="02001174c0b35c01" providerId="LiveId" clId="{C8E0087E-1F7E-4FB4-895F-C04A2D399884}" dt="2026-01-13T14:35:34.706" v="5446" actId="113"/>
           <ac:spMkLst>
             <pc:docMk/>
             <pc:sldMk cId="2604496396" sldId="566"/>
@@ -839,13 +675,29 @@
           </ac:spMkLst>
         </pc:spChg>
       </pc:sldChg>
-      <pc:sldMasterChg chg="delSldLayout">
-        <pc:chgData name="Atturu Jaganmohanreddy" userId="02001174c0b35c01" providerId="LiveId" clId="{C8E0087E-1F7E-4FB4-895F-C04A2D399884}" dt="2026-01-02T15:11:48.559" v="2362" actId="47"/>
-        <pc:sldMasterMkLst>
+      <pc:sldChg chg="modSp new mod">
+        <pc:chgData name="Atturu Jaganmohanreddy" userId="02001174c0b35c01" providerId="LiveId" clId="{C8E0087E-1F7E-4FB4-895F-C04A2D399884}" dt="2026-02-02T14:31:07.965" v="6018" actId="20577"/>
+        <pc:sldMkLst>
           <pc:docMk/>
-          <pc:sldMasterMk cId="1788353970" sldId="2147483648"/>
-        </pc:sldMasterMkLst>
-      </pc:sldMasterChg>
+          <pc:sldMk cId="4154666996" sldId="567"/>
+        </pc:sldMkLst>
+        <pc:spChg chg="mod">
+          <ac:chgData name="Atturu Jaganmohanreddy" userId="02001174c0b35c01" providerId="LiveId" clId="{C8E0087E-1F7E-4FB4-895F-C04A2D399884}" dt="2026-02-02T14:31:07.965" v="6018" actId="20577"/>
+          <ac:spMkLst>
+            <pc:docMk/>
+            <pc:sldMk cId="4154666996" sldId="567"/>
+            <ac:spMk id="2" creationId="{07576D78-74FA-82BC-FE42-C86CAF158806}"/>
+          </ac:spMkLst>
+        </pc:spChg>
+        <pc:spChg chg="mod">
+          <ac:chgData name="Atturu Jaganmohanreddy" userId="02001174c0b35c01" providerId="LiveId" clId="{C8E0087E-1F7E-4FB4-895F-C04A2D399884}" dt="2026-02-02T14:30:18.874" v="6016" actId="20577"/>
+          <ac:spMkLst>
+            <pc:docMk/>
+            <pc:sldMk cId="4154666996" sldId="567"/>
+            <ac:spMk id="3" creationId="{1442C7A0-5572-9BC9-DD45-CBBD6E5C7348}"/>
+          </ac:spMkLst>
+        </pc:spChg>
+      </pc:sldChg>
     </pc:docChg>
   </pc:docChgLst>
 </pc:chgInfo>
@@ -933,7 +785,7 @@
           <a:p>
             <a:fld id="{3F00BCFC-AFFD-334C-A183-6116BAFDF92B}" type="datetimeFigureOut">
               <a:rPr lang="en-US" smtClean="0"/>
-              <a:t>1/12/2026</a:t>
+              <a:t>2/2/2026</a:t>
             </a:fld>
             <a:endParaRPr lang="en-US" dirty="0"/>
           </a:p>
@@ -17913,7 +17765,7 @@
           <p:cNvPr id="2" name="Title 1">
             <a:extLst>
               <a:ext uri="{FF2B5EF4-FFF2-40B4-BE49-F238E27FC236}">
-                <a16:creationId xmlns:a16="http://schemas.microsoft.com/office/drawing/2014/main" id="{4FB5A701-9013-1ED4-BC17-AA71A78EB14E}"/>
+                <a16:creationId xmlns:a16="http://schemas.microsoft.com/office/drawing/2014/main" id="{FDA511C9-CCFA-E547-B6B7-D2D7A89F43F9}"/>
               </a:ext>
             </a:extLst>
           </p:cNvPr>
@@ -17921,124 +17773,282 @@
             <a:spLocks noGrp="1"/>
           </p:cNvSpPr>
           <p:nvPr>
-            <p:ph type="title"/>
+            <p:ph type="ctrTitle"/>
           </p:nvPr>
         </p:nvSpPr>
         <p:spPr>
           <a:xfrm>
-            <a:off x="761902" y="187452"/>
-            <a:ext cx="4567182" cy="651541"/>
+            <a:off x="1843880" y="479245"/>
+            <a:ext cx="7763256" cy="760877"/>
           </a:xfrm>
         </p:spPr>
         <p:txBody>
           <a:bodyPr/>
           <a:lstStyle/>
           <a:p>
-            <a:pPr algn="l"/>
-            <a:r>
-              <a:rPr lang="en-US" sz="3000" dirty="0"/>
-              <a:t>Output:</a:t>
-            </a:r>
-            <a:endParaRPr lang="en-IN" sz="3000" dirty="0"/>
-          </a:p>
-        </p:txBody>
-      </p:sp>
-      <p:pic>
-        <p:nvPicPr>
-          <p:cNvPr id="7" name="Content Placeholder 6">
-            <a:extLst>
-              <a:ext uri="{FF2B5EF4-FFF2-40B4-BE49-F238E27FC236}">
-                <a16:creationId xmlns:a16="http://schemas.microsoft.com/office/drawing/2014/main" id="{4BFA5FC3-72A6-1BB1-1650-79BB896A3686}"/>
-              </a:ext>
-            </a:extLst>
-          </p:cNvPr>
-          <p:cNvPicPr>
-            <a:picLocks noGrp="1" noChangeAspect="1"/>
-          </p:cNvPicPr>
-          <p:nvPr>
-            <p:ph idx="1"/>
-          </p:nvPr>
-        </p:nvPicPr>
-        <p:blipFill>
-          <a:blip r:embed="rId2"/>
-          <a:srcRect l="12641" t="14935" r="13915" b="6900"/>
-          <a:stretch>
-            <a:fillRect/>
-          </a:stretch>
-        </p:blipFill>
+            <a:r>
+              <a:rPr lang="en-US" sz="3200" dirty="0"/>
+              <a:t>WORKFLOW </a:t>
+            </a:r>
+            <a:br>
+              <a:rPr lang="en-US" sz="3200" dirty="0"/>
+            </a:br>
+            <a:endParaRPr lang="en-IN" sz="3200" dirty="0"/>
+          </a:p>
+        </p:txBody>
+      </p:sp>
+      <p:sp>
+        <p:nvSpPr>
+          <p:cNvPr id="4" name="TextBox 3">
+            <a:extLst>
+              <a:ext uri="{FF2B5EF4-FFF2-40B4-BE49-F238E27FC236}">
+                <a16:creationId xmlns:a16="http://schemas.microsoft.com/office/drawing/2014/main" id="{B312088F-32B3-92E0-4AF1-4EFADE8061AF}"/>
+              </a:ext>
+            </a:extLst>
+          </p:cNvPr>
+          <p:cNvSpPr txBox="1"/>
+          <p:nvPr/>
+        </p:nvSpPr>
         <p:spPr>
           <a:xfrm>
-            <a:off x="1818968" y="1077445"/>
-            <a:ext cx="8770374" cy="4703110"/>
+            <a:off x="905085" y="1490008"/>
+            <a:ext cx="4026568" cy="1938992"/>
           </a:xfrm>
           <a:prstGeom prst="rect">
             <a:avLst/>
           </a:prstGeom>
-        </p:spPr>
-      </p:pic>
-      <p:sp>
-        <p:nvSpPr>
-          <p:cNvPr id="4" name="Slide Number Placeholder 3">
-            <a:extLst>
-              <a:ext uri="{FF2B5EF4-FFF2-40B4-BE49-F238E27FC236}">
-                <a16:creationId xmlns:a16="http://schemas.microsoft.com/office/drawing/2014/main" id="{9BC542D3-1A56-6760-BBD8-07FC4C82694F}"/>
-              </a:ext>
-            </a:extLst>
-          </p:cNvPr>
-          <p:cNvSpPr>
-            <a:spLocks noGrp="1"/>
-          </p:cNvSpPr>
-          <p:nvPr>
-            <p:ph type="sldNum" sz="quarter" idx="11"/>
-          </p:nvPr>
-        </p:nvSpPr>
-        <p:spPr/>
-        <p:txBody>
-          <a:bodyPr/>
+          <a:noFill/>
+        </p:spPr>
+        <p:txBody>
+          <a:bodyPr wrap="square" rtlCol="0">
+            <a:spAutoFit/>
+          </a:bodyPr>
           <a:lstStyle/>
           <a:p>
-            <a:fld id="{294A09A9-5501-47C1-A89A-A340965A2BE2}" type="slidenum">
-              <a:rPr lang="en-US" smtClean="0"/>
-              <a:pPr/>
-              <a:t>10</a:t>
-            </a:fld>
-            <a:endParaRPr lang="en-US" dirty="0"/>
-          </a:p>
-        </p:txBody>
-      </p:sp>
-      <p:sp>
-        <p:nvSpPr>
-          <p:cNvPr id="5" name="Footer Placeholder 4">
-            <a:extLst>
-              <a:ext uri="{FF2B5EF4-FFF2-40B4-BE49-F238E27FC236}">
-                <a16:creationId xmlns:a16="http://schemas.microsoft.com/office/drawing/2014/main" id="{0016F497-872E-7C5C-2C74-703EA012C0F4}"/>
-              </a:ext>
-            </a:extLst>
-          </p:cNvPr>
-          <p:cNvSpPr>
-            <a:spLocks noGrp="1"/>
-          </p:cNvSpPr>
-          <p:nvPr>
-            <p:ph type="ftr" sz="quarter" idx="10"/>
-          </p:nvPr>
-        </p:nvSpPr>
-        <p:spPr/>
-        <p:txBody>
-          <a:bodyPr/>
+            <a:r>
+              <a:rPr lang="en-US" sz="2400" b="1" dirty="0">
+                <a:solidFill>
+                  <a:schemeClr val="bg1"/>
+                </a:solidFill>
+              </a:rPr>
+              <a:t>Sources:</a:t>
+            </a:r>
+          </a:p>
+          <a:p>
+            <a:pPr marL="342900" indent="-342900">
+              <a:buAutoNum type="arabicPeriod"/>
+            </a:pPr>
+            <a:r>
+              <a:rPr lang="en-US" sz="2000" dirty="0">
+                <a:solidFill>
+                  <a:schemeClr val="bg1"/>
+                </a:solidFill>
+              </a:rPr>
+              <a:t>Finding best datasets from APIs </a:t>
+            </a:r>
+          </a:p>
+          <a:p>
+            <a:pPr marL="342900" indent="-342900">
+              <a:buAutoNum type="arabicPeriod"/>
+            </a:pPr>
+            <a:r>
+              <a:rPr lang="en-US" sz="2000" dirty="0">
+                <a:solidFill>
+                  <a:schemeClr val="bg1"/>
+                </a:solidFill>
+              </a:rPr>
+              <a:t>Those APIs are                                                                                                                                                                             Kaggle, Coin gecko etc.,</a:t>
+            </a:r>
+          </a:p>
+          <a:p>
+            <a:endParaRPr lang="en-US" dirty="0">
+              <a:solidFill>
+                <a:schemeClr val="bg1"/>
+              </a:solidFill>
+            </a:endParaRPr>
+          </a:p>
+          <a:p>
+            <a:endParaRPr lang="en-IN" dirty="0">
+              <a:solidFill>
+                <a:schemeClr val="bg1"/>
+              </a:solidFill>
+            </a:endParaRPr>
+          </a:p>
+        </p:txBody>
+      </p:sp>
+      <p:sp>
+        <p:nvSpPr>
+          <p:cNvPr id="5" name="TextBox 4">
+            <a:extLst>
+              <a:ext uri="{FF2B5EF4-FFF2-40B4-BE49-F238E27FC236}">
+                <a16:creationId xmlns:a16="http://schemas.microsoft.com/office/drawing/2014/main" id="{C50B6DED-14DB-24D2-C625-12562B4D742F}"/>
+              </a:ext>
+            </a:extLst>
+          </p:cNvPr>
+          <p:cNvSpPr txBox="1"/>
+          <p:nvPr/>
+        </p:nvSpPr>
+        <p:spPr>
+          <a:xfrm>
+            <a:off x="6984252" y="1636363"/>
+            <a:ext cx="4026568" cy="1354217"/>
+          </a:xfrm>
+          <a:prstGeom prst="rect">
+            <a:avLst/>
+          </a:prstGeom>
+          <a:noFill/>
+        </p:spPr>
+        <p:txBody>
+          <a:bodyPr wrap="square" rtlCol="0">
+            <a:spAutoFit/>
+          </a:bodyPr>
           <a:lstStyle/>
           <a:p>
             <a:r>
-              <a:rPr lang="en-US"/>
-              <a:t>Crypto: investing &amp; trading</a:t>
-            </a:r>
-            <a:endParaRPr lang="en-US" dirty="0"/>
+              <a:rPr lang="en-US" sz="2400" b="1" dirty="0">
+                <a:solidFill>
+                  <a:schemeClr val="bg1"/>
+                </a:solidFill>
+              </a:rPr>
+              <a:t>CRYPTOCURRENCIES:</a:t>
+            </a:r>
+          </a:p>
+          <a:p>
+            <a:r>
+              <a:rPr lang="en-ZA" dirty="0">
+                <a:solidFill>
+                  <a:schemeClr val="bg1"/>
+                </a:solidFill>
+              </a:rPr>
+              <a:t>	</a:t>
+            </a:r>
+            <a:r>
+              <a:rPr lang="en-ZA" sz="2000" dirty="0">
+                <a:solidFill>
+                  <a:schemeClr val="bg1"/>
+                </a:solidFill>
+              </a:rPr>
+              <a:t>List of various currencies like Bitcoin, Ethereum, etc..,</a:t>
+            </a:r>
+          </a:p>
+          <a:p>
+            <a:endParaRPr lang="en-IN" dirty="0">
+              <a:solidFill>
+                <a:schemeClr val="bg1"/>
+              </a:solidFill>
+            </a:endParaRPr>
+          </a:p>
+        </p:txBody>
+      </p:sp>
+      <p:sp>
+        <p:nvSpPr>
+          <p:cNvPr id="7" name="TextBox 6">
+            <a:extLst>
+              <a:ext uri="{FF2B5EF4-FFF2-40B4-BE49-F238E27FC236}">
+                <a16:creationId xmlns:a16="http://schemas.microsoft.com/office/drawing/2014/main" id="{98787DB4-FF2F-E203-216E-A37057E4CCDC}"/>
+              </a:ext>
+            </a:extLst>
+          </p:cNvPr>
+          <p:cNvSpPr txBox="1"/>
+          <p:nvPr/>
+        </p:nvSpPr>
+        <p:spPr>
+          <a:xfrm>
+            <a:off x="905085" y="3867420"/>
+            <a:ext cx="4026568" cy="1077218"/>
+          </a:xfrm>
+          <a:prstGeom prst="rect">
+            <a:avLst/>
+          </a:prstGeom>
+          <a:noFill/>
+        </p:spPr>
+        <p:txBody>
+          <a:bodyPr wrap="square" rtlCol="0">
+            <a:spAutoFit/>
+          </a:bodyPr>
+          <a:lstStyle/>
+          <a:p>
+            <a:r>
+              <a:rPr lang="en-US" sz="2400" b="1" dirty="0">
+                <a:solidFill>
+                  <a:schemeClr val="bg1"/>
+                </a:solidFill>
+              </a:rPr>
+              <a:t>FACTORS:</a:t>
+            </a:r>
+          </a:p>
+          <a:p>
+            <a:r>
+              <a:rPr lang="en-US" sz="2000" dirty="0">
+                <a:solidFill>
+                  <a:schemeClr val="bg1"/>
+                </a:solidFill>
+              </a:rPr>
+              <a:t>It involves in extracting based on Volume, Price, Market details</a:t>
+            </a:r>
+          </a:p>
+        </p:txBody>
+      </p:sp>
+      <p:sp>
+        <p:nvSpPr>
+          <p:cNvPr id="8" name="TextBox 7">
+            <a:extLst>
+              <a:ext uri="{FF2B5EF4-FFF2-40B4-BE49-F238E27FC236}">
+                <a16:creationId xmlns:a16="http://schemas.microsoft.com/office/drawing/2014/main" id="{54929B86-759F-98DB-391B-28D5B4F62ABE}"/>
+              </a:ext>
+            </a:extLst>
+          </p:cNvPr>
+          <p:cNvSpPr txBox="1"/>
+          <p:nvPr/>
+        </p:nvSpPr>
+        <p:spPr>
+          <a:xfrm>
+            <a:off x="6984252" y="3867420"/>
+            <a:ext cx="3545306" cy="1354217"/>
+          </a:xfrm>
+          <a:prstGeom prst="rect">
+            <a:avLst/>
+          </a:prstGeom>
+          <a:noFill/>
+        </p:spPr>
+        <p:txBody>
+          <a:bodyPr wrap="square" rtlCol="0">
+            <a:spAutoFit/>
+          </a:bodyPr>
+          <a:lstStyle/>
+          <a:p>
+            <a:r>
+              <a:rPr lang="en-US" sz="2400" b="1" dirty="0">
+                <a:solidFill>
+                  <a:schemeClr val="bg1"/>
+                </a:solidFill>
+              </a:rPr>
+              <a:t>TYPE OF FILE:</a:t>
+            </a:r>
+          </a:p>
+          <a:p>
+            <a:r>
+              <a:rPr lang="en-ZA" sz="2000" dirty="0">
+                <a:solidFill>
+                  <a:schemeClr val="bg1"/>
+                </a:solidFill>
+              </a:rPr>
+              <a:t>Extracted and the whole data in the form of CSV file.</a:t>
+            </a:r>
+          </a:p>
+          <a:p>
+            <a:endParaRPr lang="en-IN" dirty="0">
+              <a:solidFill>
+                <a:schemeClr val="bg1"/>
+              </a:solidFill>
+            </a:endParaRPr>
           </a:p>
         </p:txBody>
       </p:sp>
     </p:spTree>
     <p:extLst>
       <p:ext uri="{BB962C8B-B14F-4D97-AF65-F5344CB8AC3E}">
-        <p14:creationId xmlns:p14="http://schemas.microsoft.com/office/powerpoint/2010/main" val="3025253910"/>
+        <p14:creationId xmlns:p14="http://schemas.microsoft.com/office/powerpoint/2010/main" val="2853824747"/>
       </p:ext>
     </p:extLst>
   </p:cSld>
@@ -18070,6 +18080,163 @@
           <p:cNvPr id="2" name="Title 1">
             <a:extLst>
               <a:ext uri="{FF2B5EF4-FFF2-40B4-BE49-F238E27FC236}">
+                <a16:creationId xmlns:a16="http://schemas.microsoft.com/office/drawing/2014/main" id="{4FB5A701-9013-1ED4-BC17-AA71A78EB14E}"/>
+              </a:ext>
+            </a:extLst>
+          </p:cNvPr>
+          <p:cNvSpPr>
+            <a:spLocks noGrp="1"/>
+          </p:cNvSpPr>
+          <p:nvPr>
+            <p:ph type="title"/>
+          </p:nvPr>
+        </p:nvSpPr>
+        <p:spPr>
+          <a:xfrm>
+            <a:off x="761902" y="187452"/>
+            <a:ext cx="4567182" cy="651541"/>
+          </a:xfrm>
+        </p:spPr>
+        <p:txBody>
+          <a:bodyPr/>
+          <a:lstStyle/>
+          <a:p>
+            <a:pPr algn="l"/>
+            <a:r>
+              <a:rPr lang="en-US" sz="3000" dirty="0"/>
+              <a:t>Output:</a:t>
+            </a:r>
+            <a:endParaRPr lang="en-IN" sz="3000" dirty="0"/>
+          </a:p>
+        </p:txBody>
+      </p:sp>
+      <p:pic>
+        <p:nvPicPr>
+          <p:cNvPr id="7" name="Content Placeholder 6">
+            <a:extLst>
+              <a:ext uri="{FF2B5EF4-FFF2-40B4-BE49-F238E27FC236}">
+                <a16:creationId xmlns:a16="http://schemas.microsoft.com/office/drawing/2014/main" id="{4BFA5FC3-72A6-1BB1-1650-79BB896A3686}"/>
+              </a:ext>
+            </a:extLst>
+          </p:cNvPr>
+          <p:cNvPicPr>
+            <a:picLocks noGrp="1" noChangeAspect="1"/>
+          </p:cNvPicPr>
+          <p:nvPr>
+            <p:ph idx="1"/>
+          </p:nvPr>
+        </p:nvPicPr>
+        <p:blipFill>
+          <a:blip r:embed="rId2"/>
+          <a:srcRect l="12641" t="14935" r="13915" b="6900"/>
+          <a:stretch>
+            <a:fillRect/>
+          </a:stretch>
+        </p:blipFill>
+        <p:spPr>
+          <a:xfrm>
+            <a:off x="1818968" y="1077445"/>
+            <a:ext cx="8770374" cy="4703110"/>
+          </a:xfrm>
+          <a:prstGeom prst="rect">
+            <a:avLst/>
+          </a:prstGeom>
+        </p:spPr>
+      </p:pic>
+      <p:sp>
+        <p:nvSpPr>
+          <p:cNvPr id="4" name="Slide Number Placeholder 3">
+            <a:extLst>
+              <a:ext uri="{FF2B5EF4-FFF2-40B4-BE49-F238E27FC236}">
+                <a16:creationId xmlns:a16="http://schemas.microsoft.com/office/drawing/2014/main" id="{9BC542D3-1A56-6760-BBD8-07FC4C82694F}"/>
+              </a:ext>
+            </a:extLst>
+          </p:cNvPr>
+          <p:cNvSpPr>
+            <a:spLocks noGrp="1"/>
+          </p:cNvSpPr>
+          <p:nvPr>
+            <p:ph type="sldNum" sz="quarter" idx="11"/>
+          </p:nvPr>
+        </p:nvSpPr>
+        <p:spPr/>
+        <p:txBody>
+          <a:bodyPr/>
+          <a:lstStyle/>
+          <a:p>
+            <a:fld id="{294A09A9-5501-47C1-A89A-A340965A2BE2}" type="slidenum">
+              <a:rPr lang="en-US" smtClean="0"/>
+              <a:pPr/>
+              <a:t>11</a:t>
+            </a:fld>
+            <a:endParaRPr lang="en-US" dirty="0"/>
+          </a:p>
+        </p:txBody>
+      </p:sp>
+      <p:sp>
+        <p:nvSpPr>
+          <p:cNvPr id="5" name="Footer Placeholder 4">
+            <a:extLst>
+              <a:ext uri="{FF2B5EF4-FFF2-40B4-BE49-F238E27FC236}">
+                <a16:creationId xmlns:a16="http://schemas.microsoft.com/office/drawing/2014/main" id="{0016F497-872E-7C5C-2C74-703EA012C0F4}"/>
+              </a:ext>
+            </a:extLst>
+          </p:cNvPr>
+          <p:cNvSpPr>
+            <a:spLocks noGrp="1"/>
+          </p:cNvSpPr>
+          <p:nvPr>
+            <p:ph type="ftr" sz="quarter" idx="10"/>
+          </p:nvPr>
+        </p:nvSpPr>
+        <p:spPr/>
+        <p:txBody>
+          <a:bodyPr/>
+          <a:lstStyle/>
+          <a:p>
+            <a:r>
+              <a:rPr lang="en-US"/>
+              <a:t>Crypto: investing &amp; trading</a:t>
+            </a:r>
+            <a:endParaRPr lang="en-US" dirty="0"/>
+          </a:p>
+        </p:txBody>
+      </p:sp>
+    </p:spTree>
+    <p:extLst>
+      <p:ext uri="{BB962C8B-B14F-4D97-AF65-F5344CB8AC3E}">
+        <p14:creationId xmlns:p14="http://schemas.microsoft.com/office/powerpoint/2010/main" val="3025253910"/>
+      </p:ext>
+    </p:extLst>
+  </p:cSld>
+  <p:clrMapOvr>
+    <a:masterClrMapping/>
+  </p:clrMapOvr>
+</p:sld>
+</file>
+
+<file path=ppt/slides/slide12.xml><?xml version="1.0" encoding="utf-8"?>
+<p:sld xmlns:a="http://schemas.openxmlformats.org/drawingml/2006/main" xmlns:r="http://schemas.openxmlformats.org/officeDocument/2006/relationships" xmlns:p="http://schemas.openxmlformats.org/presentationml/2006/main">
+  <p:cSld>
+    <p:spTree>
+      <p:nvGrpSpPr>
+        <p:cNvPr id="1" name=""/>
+        <p:cNvGrpSpPr/>
+        <p:nvPr/>
+      </p:nvGrpSpPr>
+      <p:grpSpPr>
+        <a:xfrm>
+          <a:off x="0" y="0"/>
+          <a:ext cx="0" cy="0"/>
+          <a:chOff x="0" y="0"/>
+          <a:chExt cx="0" cy="0"/>
+        </a:xfrm>
+      </p:grpSpPr>
+      <p:sp>
+        <p:nvSpPr>
+          <p:cNvPr id="2" name="Title 1">
+            <a:extLst>
+              <a:ext uri="{FF2B5EF4-FFF2-40B4-BE49-F238E27FC236}">
                 <a16:creationId xmlns:a16="http://schemas.microsoft.com/office/drawing/2014/main" id="{DCC23403-3989-A827-252C-B7AE383DDD0C}"/>
               </a:ext>
             </a:extLst>
@@ -18205,7 +18372,7 @@
 </p:sld>
 </file>
 
-<file path=ppt/slides/slide12.xml><?xml version="1.0" encoding="utf-8"?>
+<file path=ppt/slides/slide13.xml><?xml version="1.0" encoding="utf-8"?>
 <p:sld xmlns:a="http://schemas.openxmlformats.org/drawingml/2006/main" xmlns:r="http://schemas.openxmlformats.org/officeDocument/2006/relationships" xmlns:p="http://schemas.openxmlformats.org/presentationml/2006/main">
   <p:cSld>
     <p:spTree>
@@ -18396,7 +18563,7 @@
 </p:sld>
 </file>
 
-<file path=ppt/slides/slide13.xml><?xml version="1.0" encoding="utf-8"?>
+<file path=ppt/slides/slide14.xml><?xml version="1.0" encoding="utf-8"?>
 <p:sld xmlns:a="http://schemas.openxmlformats.org/drawingml/2006/main" xmlns:r="http://schemas.openxmlformats.org/officeDocument/2006/relationships" xmlns:p="http://schemas.openxmlformats.org/presentationml/2006/main">
   <p:cSld>
     <p:spTree>
@@ -18610,7 +18777,7 @@
 </p:sld>
 </file>
 
-<file path=ppt/slides/slide14.xml><?xml version="1.0" encoding="utf-8"?>
+<file path=ppt/slides/slide15.xml><?xml version="1.0" encoding="utf-8"?>
 <p:sld xmlns:a="http://schemas.openxmlformats.org/drawingml/2006/main" xmlns:r="http://schemas.openxmlformats.org/officeDocument/2006/relationships" xmlns:p="http://schemas.openxmlformats.org/presentationml/2006/main">
   <p:cSld>
     <p:spTree>
@@ -18692,7 +18859,7 @@
             <a:fld id="{294A09A9-5501-47C1-A89A-A340965A2BE2}" type="slidenum">
               <a:rPr lang="en-US" smtClean="0"/>
               <a:pPr/>
-              <a:t>14</a:t>
+              <a:t>15</a:t>
             </a:fld>
             <a:endParaRPr lang="en-US" dirty="0"/>
           </a:p>
@@ -18773,7 +18940,7 @@
 </p:sld>
 </file>
 
-<file path=ppt/slides/slide15.xml><?xml version="1.0" encoding="utf-8"?>
+<file path=ppt/slides/slide16.xml><?xml version="1.0" encoding="utf-8"?>
 <p:sld xmlns:a="http://schemas.openxmlformats.org/drawingml/2006/main" xmlns:r="http://schemas.openxmlformats.org/officeDocument/2006/relationships" xmlns:p="http://schemas.openxmlformats.org/presentationml/2006/main">
   <p:cSld>
     <p:spTree>
@@ -18921,7 +19088,7 @@
 </p:sld>
 </file>
 
-<file path=ppt/slides/slide16.xml><?xml version="1.0" encoding="utf-8"?>
+<file path=ppt/slides/slide17.xml><?xml version="1.0" encoding="utf-8"?>
 <p:sld xmlns:a="http://schemas.openxmlformats.org/drawingml/2006/main" xmlns:r="http://schemas.openxmlformats.org/officeDocument/2006/relationships" xmlns:p="http://schemas.openxmlformats.org/presentationml/2006/main">
   <p:cSld>
     <p:spTree>
@@ -19152,7 +19319,7 @@
 </p:sld>
 </file>
 
-<file path=ppt/slides/slide17.xml><?xml version="1.0" encoding="utf-8"?>
+<file path=ppt/slides/slide18.xml><?xml version="1.0" encoding="utf-8"?>
 <p:sld xmlns:a="http://schemas.openxmlformats.org/drawingml/2006/main" xmlns:r="http://schemas.openxmlformats.org/officeDocument/2006/relationships" xmlns:p="http://schemas.openxmlformats.org/presentationml/2006/main">
   <p:cSld>
     <p:spTree>
@@ -19283,7 +19450,7 @@
 </p:sld>
 </file>
 
-<file path=ppt/slides/slide18.xml><?xml version="1.0" encoding="utf-8"?>
+<file path=ppt/slides/slide19.xml><?xml version="1.0" encoding="utf-8"?>
 <p:sld xmlns:a="http://schemas.openxmlformats.org/drawingml/2006/main" xmlns:r="http://schemas.openxmlformats.org/officeDocument/2006/relationships" xmlns:p="http://schemas.openxmlformats.org/presentationml/2006/main">
   <p:cSld>
     <p:spTree>
@@ -19365,7 +19532,7 @@
             <a:fld id="{294A09A9-5501-47C1-A89A-A340965A2BE2}" type="slidenum">
               <a:rPr lang="en-US" smtClean="0"/>
               <a:pPr/>
-              <a:t>18</a:t>
+              <a:t>19</a:t>
             </a:fld>
             <a:endParaRPr lang="en-US" dirty="0"/>
           </a:p>
@@ -19437,146 +19604,6 @@
     <p:extLst>
       <p:ext uri="{BB962C8B-B14F-4D97-AF65-F5344CB8AC3E}">
         <p14:creationId xmlns:p14="http://schemas.microsoft.com/office/powerpoint/2010/main" val="2595034273"/>
-      </p:ext>
-    </p:extLst>
-  </p:cSld>
-  <p:clrMapOvr>
-    <a:masterClrMapping/>
-  </p:clrMapOvr>
-</p:sld>
-</file>
-
-<file path=ppt/slides/slide19.xml><?xml version="1.0" encoding="utf-8"?>
-<p:sld xmlns:a="http://schemas.openxmlformats.org/drawingml/2006/main" xmlns:r="http://schemas.openxmlformats.org/officeDocument/2006/relationships" xmlns:p="http://schemas.openxmlformats.org/presentationml/2006/main">
-  <p:cSld>
-    <p:spTree>
-      <p:nvGrpSpPr>
-        <p:cNvPr id="1" name="">
-          <a:extLst>
-            <a:ext uri="{FF2B5EF4-FFF2-40B4-BE49-F238E27FC236}">
-              <a16:creationId xmlns:a16="http://schemas.microsoft.com/office/drawing/2014/main" id="{01FD2002-864F-D4F2-9018-7CC323FCAF5F}"/>
-            </a:ext>
-          </a:extLst>
-        </p:cNvPr>
-        <p:cNvGrpSpPr/>
-        <p:nvPr/>
-      </p:nvGrpSpPr>
-      <p:grpSpPr>
-        <a:xfrm>
-          <a:off x="0" y="0"/>
-          <a:ext cx="0" cy="0"/>
-          <a:chOff x="0" y="0"/>
-          <a:chExt cx="0" cy="0"/>
-        </a:xfrm>
-      </p:grpSpPr>
-      <p:sp>
-        <p:nvSpPr>
-          <p:cNvPr id="2" name="Title 1">
-            <a:extLst>
-              <a:ext uri="{FF2B5EF4-FFF2-40B4-BE49-F238E27FC236}">
-                <a16:creationId xmlns:a16="http://schemas.microsoft.com/office/drawing/2014/main" id="{B34FBEE6-E24F-DDA1-4D13-75063A00FB89}"/>
-              </a:ext>
-            </a:extLst>
-          </p:cNvPr>
-          <p:cNvSpPr>
-            <a:spLocks noGrp="1"/>
-          </p:cNvSpPr>
-          <p:nvPr>
-            <p:ph type="ctrTitle"/>
-          </p:nvPr>
-        </p:nvSpPr>
-        <p:spPr>
-          <a:xfrm>
-            <a:off x="1596189" y="297902"/>
-            <a:ext cx="7763256" cy="809003"/>
-          </a:xfrm>
-        </p:spPr>
-        <p:txBody>
-          <a:bodyPr/>
-          <a:lstStyle/>
-          <a:p>
-            <a:r>
-              <a:rPr lang="en-IN" dirty="0"/>
-              <a:t>MILESTONE-4</a:t>
-            </a:r>
-          </a:p>
-        </p:txBody>
-      </p:sp>
-      <p:sp>
-        <p:nvSpPr>
-          <p:cNvPr id="3" name="Subtitle 2">
-            <a:extLst>
-              <a:ext uri="{FF2B5EF4-FFF2-40B4-BE49-F238E27FC236}">
-                <a16:creationId xmlns:a16="http://schemas.microsoft.com/office/drawing/2014/main" id="{DEBCA9A6-F05F-698F-599C-1304688F4AEC}"/>
-              </a:ext>
-            </a:extLst>
-          </p:cNvPr>
-          <p:cNvSpPr>
-            <a:spLocks noGrp="1"/>
-          </p:cNvSpPr>
-          <p:nvPr>
-            <p:ph type="subTitle" idx="1"/>
-          </p:nvPr>
-        </p:nvSpPr>
-        <p:spPr>
-          <a:xfrm>
-            <a:off x="1212782" y="1586725"/>
-            <a:ext cx="8685197" cy="3514664"/>
-          </a:xfrm>
-        </p:spPr>
-        <p:txBody>
-          <a:bodyPr/>
-          <a:lstStyle/>
-          <a:p>
-            <a:pPr marL="342900" indent="-342900" algn="l">
-              <a:buFont typeface="Wingdings" panose="05000000000000000000" pitchFamily="2" charset="2"/>
-              <a:buChar char="v"/>
-            </a:pPr>
-            <a:r>
-              <a:rPr lang="en-IN" sz="2400" b="1" dirty="0"/>
-              <a:t>Risk Classification &amp; Reporting:</a:t>
-            </a:r>
-          </a:p>
-          <a:p>
-            <a:pPr algn="l"/>
-            <a:endParaRPr lang="en-IN" sz="2400" dirty="0"/>
-          </a:p>
-          <a:p>
-            <a:pPr marL="800100" lvl="1" indent="-342900" algn="l">
-              <a:buFont typeface="Arial" panose="020B0604020202020204" pitchFamily="34" charset="0"/>
-              <a:buChar char="•"/>
-            </a:pPr>
-            <a:r>
-              <a:rPr lang="en-IN" sz="2400" dirty="0"/>
-              <a:t>Focuses on classifying risk levels for crypto currency(Low, Medium, High).</a:t>
-            </a:r>
-          </a:p>
-          <a:p>
-            <a:pPr marL="800100" lvl="1" indent="-342900" algn="l">
-              <a:buFont typeface="Arial" panose="020B0604020202020204" pitchFamily="34" charset="0"/>
-              <a:buChar char="•"/>
-            </a:pPr>
-            <a:r>
-              <a:rPr lang="en-IN" sz="2400" dirty="0"/>
-              <a:t>Generating the final summarised reports in the form of PDF formats.</a:t>
-            </a:r>
-          </a:p>
-          <a:p>
-            <a:pPr marL="800100" lvl="1" indent="-342900" algn="l">
-              <a:buFont typeface="Arial" panose="020B0604020202020204" pitchFamily="34" charset="0"/>
-              <a:buChar char="•"/>
-            </a:pPr>
-            <a:r>
-              <a:rPr lang="en-IN" sz="2400" dirty="0"/>
-              <a:t>Helps to analyse and to let the users know the accurate levels of the risks.</a:t>
-            </a:r>
-          </a:p>
-        </p:txBody>
-      </p:sp>
-    </p:spTree>
-    <p:extLst>
-      <p:ext uri="{BB962C8B-B14F-4D97-AF65-F5344CB8AC3E}">
-        <p14:creationId xmlns:p14="http://schemas.microsoft.com/office/powerpoint/2010/main" val="588274421"/>
       </p:ext>
     </p:extLst>
   </p:cSld>
@@ -19885,6 +19912,146 @@
         <p:cNvPr id="1" name="">
           <a:extLst>
             <a:ext uri="{FF2B5EF4-FFF2-40B4-BE49-F238E27FC236}">
+              <a16:creationId xmlns:a16="http://schemas.microsoft.com/office/drawing/2014/main" id="{01FD2002-864F-D4F2-9018-7CC323FCAF5F}"/>
+            </a:ext>
+          </a:extLst>
+        </p:cNvPr>
+        <p:cNvGrpSpPr/>
+        <p:nvPr/>
+      </p:nvGrpSpPr>
+      <p:grpSpPr>
+        <a:xfrm>
+          <a:off x="0" y="0"/>
+          <a:ext cx="0" cy="0"/>
+          <a:chOff x="0" y="0"/>
+          <a:chExt cx="0" cy="0"/>
+        </a:xfrm>
+      </p:grpSpPr>
+      <p:sp>
+        <p:nvSpPr>
+          <p:cNvPr id="2" name="Title 1">
+            <a:extLst>
+              <a:ext uri="{FF2B5EF4-FFF2-40B4-BE49-F238E27FC236}">
+                <a16:creationId xmlns:a16="http://schemas.microsoft.com/office/drawing/2014/main" id="{B34FBEE6-E24F-DDA1-4D13-75063A00FB89}"/>
+              </a:ext>
+            </a:extLst>
+          </p:cNvPr>
+          <p:cNvSpPr>
+            <a:spLocks noGrp="1"/>
+          </p:cNvSpPr>
+          <p:nvPr>
+            <p:ph type="ctrTitle"/>
+          </p:nvPr>
+        </p:nvSpPr>
+        <p:spPr>
+          <a:xfrm>
+            <a:off x="1596189" y="297902"/>
+            <a:ext cx="7763256" cy="809003"/>
+          </a:xfrm>
+        </p:spPr>
+        <p:txBody>
+          <a:bodyPr/>
+          <a:lstStyle/>
+          <a:p>
+            <a:r>
+              <a:rPr lang="en-IN" dirty="0"/>
+              <a:t>MILESTONE-4</a:t>
+            </a:r>
+          </a:p>
+        </p:txBody>
+      </p:sp>
+      <p:sp>
+        <p:nvSpPr>
+          <p:cNvPr id="3" name="Subtitle 2">
+            <a:extLst>
+              <a:ext uri="{FF2B5EF4-FFF2-40B4-BE49-F238E27FC236}">
+                <a16:creationId xmlns:a16="http://schemas.microsoft.com/office/drawing/2014/main" id="{DEBCA9A6-F05F-698F-599C-1304688F4AEC}"/>
+              </a:ext>
+            </a:extLst>
+          </p:cNvPr>
+          <p:cNvSpPr>
+            <a:spLocks noGrp="1"/>
+          </p:cNvSpPr>
+          <p:nvPr>
+            <p:ph type="subTitle" idx="1"/>
+          </p:nvPr>
+        </p:nvSpPr>
+        <p:spPr>
+          <a:xfrm>
+            <a:off x="1212782" y="1586725"/>
+            <a:ext cx="8685197" cy="3514664"/>
+          </a:xfrm>
+        </p:spPr>
+        <p:txBody>
+          <a:bodyPr/>
+          <a:lstStyle/>
+          <a:p>
+            <a:pPr marL="342900" indent="-342900" algn="l">
+              <a:buFont typeface="Wingdings" panose="05000000000000000000" pitchFamily="2" charset="2"/>
+              <a:buChar char="v"/>
+            </a:pPr>
+            <a:r>
+              <a:rPr lang="en-IN" sz="2400" b="1" dirty="0"/>
+              <a:t>Risk Classification &amp; Reporting:</a:t>
+            </a:r>
+          </a:p>
+          <a:p>
+            <a:pPr algn="l"/>
+            <a:endParaRPr lang="en-IN" sz="2400" dirty="0"/>
+          </a:p>
+          <a:p>
+            <a:pPr marL="800100" lvl="1" indent="-342900" algn="l">
+              <a:buFont typeface="Arial" panose="020B0604020202020204" pitchFamily="34" charset="0"/>
+              <a:buChar char="•"/>
+            </a:pPr>
+            <a:r>
+              <a:rPr lang="en-IN" sz="2400" dirty="0"/>
+              <a:t>Focuses on classifying risk levels for crypto currency(Low, Medium, High).</a:t>
+            </a:r>
+          </a:p>
+          <a:p>
+            <a:pPr marL="800100" lvl="1" indent="-342900" algn="l">
+              <a:buFont typeface="Arial" panose="020B0604020202020204" pitchFamily="34" charset="0"/>
+              <a:buChar char="•"/>
+            </a:pPr>
+            <a:r>
+              <a:rPr lang="en-IN" sz="2400" dirty="0"/>
+              <a:t>Generating the final summarised reports in the form of PDF formats.</a:t>
+            </a:r>
+          </a:p>
+          <a:p>
+            <a:pPr marL="800100" lvl="1" indent="-342900" algn="l">
+              <a:buFont typeface="Arial" panose="020B0604020202020204" pitchFamily="34" charset="0"/>
+              <a:buChar char="•"/>
+            </a:pPr>
+            <a:r>
+              <a:rPr lang="en-IN" sz="2400" dirty="0"/>
+              <a:t>Helps to analyse and to let the users know the accurate levels of the risks.</a:t>
+            </a:r>
+          </a:p>
+        </p:txBody>
+      </p:sp>
+    </p:spTree>
+    <p:extLst>
+      <p:ext uri="{BB962C8B-B14F-4D97-AF65-F5344CB8AC3E}">
+        <p14:creationId xmlns:p14="http://schemas.microsoft.com/office/powerpoint/2010/main" val="588274421"/>
+      </p:ext>
+    </p:extLst>
+  </p:cSld>
+  <p:clrMapOvr>
+    <a:masterClrMapping/>
+  </p:clrMapOvr>
+</p:sld>
+</file>
+
+<file path=ppt/slides/slide21.xml><?xml version="1.0" encoding="utf-8"?>
+<p:sld xmlns:a="http://schemas.openxmlformats.org/drawingml/2006/main" xmlns:r="http://schemas.openxmlformats.org/officeDocument/2006/relationships" xmlns:p="http://schemas.openxmlformats.org/presentationml/2006/main">
+  <p:cSld>
+    <p:spTree>
+      <p:nvGrpSpPr>
+        <p:cNvPr id="1" name="">
+          <a:extLst>
+            <a:ext uri="{FF2B5EF4-FFF2-40B4-BE49-F238E27FC236}">
               <a16:creationId xmlns:a16="http://schemas.microsoft.com/office/drawing/2014/main" id="{05D7CDEB-F71F-7DA5-9450-55DE18BD2CEA}"/>
             </a:ext>
           </a:extLst>
@@ -20031,7 +20198,7 @@
 </p:sld>
 </file>
 
-<file path=ppt/slides/slide21.xml><?xml version="1.0" encoding="utf-8"?>
+<file path=ppt/slides/slide22.xml><?xml version="1.0" encoding="utf-8"?>
 <p:sld xmlns:a="http://schemas.openxmlformats.org/drawingml/2006/main" xmlns:r="http://schemas.openxmlformats.org/officeDocument/2006/relationships" xmlns:p="http://schemas.openxmlformats.org/presentationml/2006/main">
   <p:cSld>
     <p:spTree>
@@ -20209,7 +20376,7 @@
 </p:sld>
 </file>
 
-<file path=ppt/slides/slide22.xml><?xml version="1.0" encoding="utf-8"?>
+<file path=ppt/slides/slide23.xml><?xml version="1.0" encoding="utf-8"?>
 <p:sld xmlns:a="http://schemas.openxmlformats.org/drawingml/2006/main" xmlns:r="http://schemas.openxmlformats.org/officeDocument/2006/relationships" xmlns:p="http://schemas.openxmlformats.org/presentationml/2006/main">
   <p:cSld>
     <p:spTree>
@@ -20371,7 +20538,7 @@
 </p:sld>
 </file>
 
-<file path=ppt/slides/slide23.xml><?xml version="1.0" encoding="utf-8"?>
+<file path=ppt/slides/slide24.xml><?xml version="1.0" encoding="utf-8"?>
 <p:sld xmlns:a="http://schemas.openxmlformats.org/drawingml/2006/main" xmlns:r="http://schemas.openxmlformats.org/officeDocument/2006/relationships" xmlns:p="http://schemas.openxmlformats.org/presentationml/2006/main">
   <p:cSld>
     <p:spTree>
@@ -20453,7 +20620,7 @@
             <a:fld id="{294A09A9-5501-47C1-A89A-A340965A2BE2}" type="slidenum">
               <a:rPr lang="en-US" smtClean="0"/>
               <a:pPr/>
-              <a:t>23</a:t>
+              <a:t>24</a:t>
             </a:fld>
             <a:endParaRPr lang="en-US" dirty="0"/>
           </a:p>
@@ -20534,7 +20701,7 @@
 </p:sld>
 </file>
 
-<file path=ppt/slides/slide24.xml><?xml version="1.0" encoding="utf-8"?>
+<file path=ppt/slides/slide25.xml><?xml version="1.0" encoding="utf-8"?>
 <p:sld xmlns:a="http://schemas.openxmlformats.org/drawingml/2006/main" xmlns:r="http://schemas.openxmlformats.org/officeDocument/2006/relationships" xmlns:p="http://schemas.openxmlformats.org/presentationml/2006/main">
   <p:cSld>
     <p:spTree>
@@ -20709,7 +20876,7 @@
 </p:sld>
 </file>
 
-<file path=ppt/slides/slide25.xml><?xml version="1.0" encoding="utf-8"?>
+<file path=ppt/slides/slide26.xml><?xml version="1.0" encoding="utf-8"?>
 <p:sld xmlns:a="http://schemas.openxmlformats.org/drawingml/2006/main" xmlns:r="http://schemas.openxmlformats.org/officeDocument/2006/relationships" xmlns:p="http://schemas.openxmlformats.org/presentationml/2006/main">
   <p:cSld>
     <p:spTree>
@@ -21262,34 +21429,14 @@
               <a:t>	</a:t>
             </a:r>
             <a:r>
-              <a:rPr kumimoji="0" lang="en-US" altLang="en-US" sz="1600" b="0" i="0" u="none" strike="noStrike" cap="none" normalizeH="0" baseline="0" dirty="0">
+              <a:rPr kumimoji="0" lang="en-US" altLang="en-US" sz="1600" i="0" u="none" strike="noStrike" cap="none" normalizeH="0" baseline="0" dirty="0">
                 <a:ln>
                   <a:noFill/>
                 </a:ln>
                 <a:effectLst/>
                 <a:latin typeface="Arial" panose="020B0604020202020204" pitchFamily="34" charset="0"/>
               </a:rPr>
-              <a:t>To design a </a:t>
-            </a:r>
-            <a:r>
-              <a:rPr kumimoji="0" lang="en-US" altLang="en-US" sz="1600" b="1" i="0" u="none" strike="noStrike" cap="none" normalizeH="0" baseline="0" dirty="0">
-                <a:ln>
-                  <a:noFill/>
-                </a:ln>
-                <a:effectLst/>
-                <a:latin typeface="Arial" panose="020B0604020202020204" pitchFamily="34" charset="0"/>
-              </a:rPr>
-              <a:t>Crypto Volatility &amp; Risk Analyzer</a:t>
-            </a:r>
-            <a:r>
-              <a:rPr kumimoji="0" lang="en-US" altLang="en-US" sz="1600" b="0" i="0" u="none" strike="noStrike" cap="none" normalizeH="0" baseline="0" dirty="0">
-                <a:ln>
-                  <a:noFill/>
-                </a:ln>
-                <a:effectLst/>
-                <a:latin typeface="Arial" panose="020B0604020202020204" pitchFamily="34" charset="0"/>
-              </a:rPr>
-              <a:t> that integrates live data, applies statistical measures, and visualizes risk levels. </a:t>
+              <a:t>To design a Crypto Volatility &amp; Risk Analyzer that integrates live data, applies statistical measures, and visualizes risk levels. </a:t>
             </a:r>
           </a:p>
           <a:p>
@@ -23173,6 +23320,258 @@
   <p:cSld>
     <p:spTree>
       <p:nvGrpSpPr>
+        <p:cNvPr id="1" name=""/>
+        <p:cNvGrpSpPr/>
+        <p:nvPr/>
+      </p:nvGrpSpPr>
+      <p:grpSpPr>
+        <a:xfrm>
+          <a:off x="0" y="0"/>
+          <a:ext cx="0" cy="0"/>
+          <a:chOff x="0" y="0"/>
+          <a:chExt cx="0" cy="0"/>
+        </a:xfrm>
+      </p:grpSpPr>
+      <p:sp>
+        <p:nvSpPr>
+          <p:cNvPr id="2" name="Title 1">
+            <a:extLst>
+              <a:ext uri="{FF2B5EF4-FFF2-40B4-BE49-F238E27FC236}">
+                <a16:creationId xmlns:a16="http://schemas.microsoft.com/office/drawing/2014/main" id="{07576D78-74FA-82BC-FE42-C86CAF158806}"/>
+              </a:ext>
+            </a:extLst>
+          </p:cNvPr>
+          <p:cNvSpPr>
+            <a:spLocks noGrp="1"/>
+          </p:cNvSpPr>
+          <p:nvPr>
+            <p:ph type="title"/>
+          </p:nvPr>
+        </p:nvSpPr>
+        <p:spPr>
+          <a:xfrm>
+            <a:off x="589788" y="393192"/>
+            <a:ext cx="10881360" cy="514916"/>
+          </a:xfrm>
+        </p:spPr>
+        <p:txBody>
+          <a:bodyPr/>
+          <a:lstStyle/>
+          <a:p>
+            <a:r>
+              <a:rPr lang="en-IN" dirty="0"/>
+              <a:t>Tools used!!!</a:t>
+            </a:r>
+          </a:p>
+        </p:txBody>
+      </p:sp>
+      <p:sp>
+        <p:nvSpPr>
+          <p:cNvPr id="3" name="Content Placeholder 2">
+            <a:extLst>
+              <a:ext uri="{FF2B5EF4-FFF2-40B4-BE49-F238E27FC236}">
+                <a16:creationId xmlns:a16="http://schemas.microsoft.com/office/drawing/2014/main" id="{1442C7A0-5572-9BC9-DD45-CBBD6E5C7348}"/>
+              </a:ext>
+            </a:extLst>
+          </p:cNvPr>
+          <p:cNvSpPr>
+            <a:spLocks noGrp="1"/>
+          </p:cNvSpPr>
+          <p:nvPr>
+            <p:ph idx="1"/>
+          </p:nvPr>
+        </p:nvSpPr>
+        <p:spPr>
+          <a:xfrm>
+            <a:off x="1014984" y="1140542"/>
+            <a:ext cx="10332720" cy="4620178"/>
+          </a:xfrm>
+        </p:spPr>
+        <p:txBody>
+          <a:bodyPr/>
+          <a:lstStyle/>
+          <a:p>
+            <a:pPr marL="457200" indent="-457200"/>
+            <a:r>
+              <a:rPr lang="en-IN" b="1" dirty="0"/>
+              <a:t>Python 		: </a:t>
+            </a:r>
+            <a:r>
+              <a:rPr lang="en-IN" sz="2400" dirty="0"/>
+              <a:t>A core programming language for the entire project</a:t>
+            </a:r>
+            <a:r>
+              <a:rPr lang="en-IN" dirty="0"/>
+              <a:t>.</a:t>
+            </a:r>
+          </a:p>
+          <a:p>
+            <a:pPr marL="457200" indent="-457200"/>
+            <a:r>
+              <a:rPr lang="en-IN" b="1" dirty="0"/>
+              <a:t>HTML/CSS 	: </a:t>
+            </a:r>
+            <a:r>
+              <a:rPr lang="en-IN" sz="2400" dirty="0"/>
+              <a:t>Used for custom UI Components.</a:t>
+            </a:r>
+          </a:p>
+          <a:p>
+            <a:pPr marL="457200" indent="-457200"/>
+            <a:r>
+              <a:rPr lang="en-IN" b="1" dirty="0"/>
+              <a:t>Streamlit	 	: </a:t>
+            </a:r>
+            <a:r>
+              <a:rPr lang="en-IN" sz="2400" dirty="0"/>
+              <a:t>Used to develop interactive web dashboards.</a:t>
+            </a:r>
+          </a:p>
+          <a:p>
+            <a:pPr marL="457200" indent="-457200"/>
+            <a:r>
+              <a:rPr lang="en-IN" b="1" dirty="0"/>
+              <a:t>Numpy 		: </a:t>
+            </a:r>
+            <a:r>
+              <a:rPr lang="en-IN" sz="2400" dirty="0"/>
+              <a:t>Used for Numerical Calculations.</a:t>
+            </a:r>
+          </a:p>
+          <a:p>
+            <a:pPr marL="457200" indent="-457200"/>
+            <a:r>
+              <a:rPr lang="en-IN" b="1" dirty="0"/>
+              <a:t>Pandas 		: </a:t>
+            </a:r>
+            <a:r>
+              <a:rPr lang="en-IN" sz="2400" dirty="0"/>
+              <a:t>Used for manipulating the data.</a:t>
+            </a:r>
+          </a:p>
+          <a:p>
+            <a:pPr marL="457200" indent="-457200"/>
+            <a:r>
+              <a:rPr lang="en-IN" b="1" dirty="0"/>
+              <a:t>Matplotlib 	: </a:t>
+            </a:r>
+            <a:r>
+              <a:rPr lang="en-IN" sz="2400" dirty="0"/>
+              <a:t>Used for Data Visualization.</a:t>
+            </a:r>
+          </a:p>
+          <a:p>
+            <a:pPr marL="457200" indent="-457200"/>
+            <a:r>
+              <a:rPr lang="en-IN" b="1" dirty="0"/>
+              <a:t>SQL 		: </a:t>
+            </a:r>
+            <a:r>
+              <a:rPr lang="en-IN" sz="2400" dirty="0"/>
+              <a:t>Used for authentication and connection with server.</a:t>
+            </a:r>
+          </a:p>
+          <a:p>
+            <a:pPr marL="457200" indent="-457200"/>
+            <a:r>
+              <a:rPr lang="en-IN" b="1" dirty="0"/>
+              <a:t>API 		: </a:t>
+            </a:r>
+            <a:r>
+              <a:rPr lang="en-IN" sz="2400" dirty="0"/>
+              <a:t>Used to fetch real-time data.</a:t>
+            </a:r>
+          </a:p>
+          <a:p>
+            <a:pPr marL="457200" indent="-457200"/>
+            <a:r>
+              <a:rPr lang="en-IN" b="1" dirty="0"/>
+              <a:t>Google Colab 	: </a:t>
+            </a:r>
+            <a:r>
+              <a:rPr lang="en-IN" sz="2400" dirty="0"/>
+              <a:t>For Primary development environment.</a:t>
+            </a:r>
+          </a:p>
+        </p:txBody>
+      </p:sp>
+      <p:sp>
+        <p:nvSpPr>
+          <p:cNvPr id="4" name="Slide Number Placeholder 3">
+            <a:extLst>
+              <a:ext uri="{FF2B5EF4-FFF2-40B4-BE49-F238E27FC236}">
+                <a16:creationId xmlns:a16="http://schemas.microsoft.com/office/drawing/2014/main" id="{CF89D64D-9B07-43E7-C952-E01F27E0CD69}"/>
+              </a:ext>
+            </a:extLst>
+          </p:cNvPr>
+          <p:cNvSpPr>
+            <a:spLocks noGrp="1"/>
+          </p:cNvSpPr>
+          <p:nvPr>
+            <p:ph type="sldNum" sz="quarter" idx="11"/>
+          </p:nvPr>
+        </p:nvSpPr>
+        <p:spPr/>
+        <p:txBody>
+          <a:bodyPr/>
+          <a:lstStyle/>
+          <a:p>
+            <a:fld id="{294A09A9-5501-47C1-A89A-A340965A2BE2}" type="slidenum">
+              <a:rPr lang="en-US" smtClean="0"/>
+              <a:pPr/>
+              <a:t>8</a:t>
+            </a:fld>
+            <a:endParaRPr lang="en-US" dirty="0"/>
+          </a:p>
+        </p:txBody>
+      </p:sp>
+      <p:sp>
+        <p:nvSpPr>
+          <p:cNvPr id="5" name="Footer Placeholder 4">
+            <a:extLst>
+              <a:ext uri="{FF2B5EF4-FFF2-40B4-BE49-F238E27FC236}">
+                <a16:creationId xmlns:a16="http://schemas.microsoft.com/office/drawing/2014/main" id="{6E707F34-9E3C-0ECC-FCCD-254F078AABE3}"/>
+              </a:ext>
+            </a:extLst>
+          </p:cNvPr>
+          <p:cNvSpPr>
+            <a:spLocks noGrp="1"/>
+          </p:cNvSpPr>
+          <p:nvPr>
+            <p:ph type="ftr" sz="quarter" idx="10"/>
+          </p:nvPr>
+        </p:nvSpPr>
+        <p:spPr/>
+        <p:txBody>
+          <a:bodyPr/>
+          <a:lstStyle/>
+          <a:p>
+            <a:r>
+              <a:rPr lang="en-US"/>
+              <a:t>Crypto: investing &amp; trading</a:t>
+            </a:r>
+            <a:endParaRPr lang="en-US" dirty="0"/>
+          </a:p>
+        </p:txBody>
+      </p:sp>
+    </p:spTree>
+    <p:extLst>
+      <p:ext uri="{BB962C8B-B14F-4D97-AF65-F5344CB8AC3E}">
+        <p14:creationId xmlns:p14="http://schemas.microsoft.com/office/powerpoint/2010/main" val="4154666996"/>
+      </p:ext>
+    </p:extLst>
+  </p:cSld>
+  <p:clrMapOvr>
+    <a:masterClrMapping/>
+  </p:clrMapOvr>
+</p:sld>
+</file>
+
+<file path=ppt/slides/slide9.xml><?xml version="1.0" encoding="utf-8"?>
+<p:sld xmlns:a="http://schemas.openxmlformats.org/drawingml/2006/main" xmlns:r="http://schemas.openxmlformats.org/officeDocument/2006/relationships" xmlns:p="http://schemas.openxmlformats.org/presentationml/2006/main">
+  <p:cSld>
+    <p:spTree>
+      <p:nvGrpSpPr>
         <p:cNvPr id="1" name="">
           <a:extLst>
             <a:ext uri="{FF2B5EF4-FFF2-40B4-BE49-F238E27FC236}">
@@ -23309,321 +23708,6 @@
     <p:extLst>
       <p:ext uri="{BB962C8B-B14F-4D97-AF65-F5344CB8AC3E}">
         <p14:creationId xmlns:p14="http://schemas.microsoft.com/office/powerpoint/2010/main" val="529771049"/>
-      </p:ext>
-    </p:extLst>
-  </p:cSld>
-  <p:clrMapOvr>
-    <a:masterClrMapping/>
-  </p:clrMapOvr>
-</p:sld>
-</file>
-
-<file path=ppt/slides/slide9.xml><?xml version="1.0" encoding="utf-8"?>
-<p:sld xmlns:a="http://schemas.openxmlformats.org/drawingml/2006/main" xmlns:r="http://schemas.openxmlformats.org/officeDocument/2006/relationships" xmlns:p="http://schemas.openxmlformats.org/presentationml/2006/main">
-  <p:cSld>
-    <p:spTree>
-      <p:nvGrpSpPr>
-        <p:cNvPr id="1" name=""/>
-        <p:cNvGrpSpPr/>
-        <p:nvPr/>
-      </p:nvGrpSpPr>
-      <p:grpSpPr>
-        <a:xfrm>
-          <a:off x="0" y="0"/>
-          <a:ext cx="0" cy="0"/>
-          <a:chOff x="0" y="0"/>
-          <a:chExt cx="0" cy="0"/>
-        </a:xfrm>
-      </p:grpSpPr>
-      <p:sp>
-        <p:nvSpPr>
-          <p:cNvPr id="2" name="Title 1">
-            <a:extLst>
-              <a:ext uri="{FF2B5EF4-FFF2-40B4-BE49-F238E27FC236}">
-                <a16:creationId xmlns:a16="http://schemas.microsoft.com/office/drawing/2014/main" id="{FDA511C9-CCFA-E547-B6B7-D2D7A89F43F9}"/>
-              </a:ext>
-            </a:extLst>
-          </p:cNvPr>
-          <p:cNvSpPr>
-            <a:spLocks noGrp="1"/>
-          </p:cNvSpPr>
-          <p:nvPr>
-            <p:ph type="ctrTitle"/>
-          </p:nvPr>
-        </p:nvSpPr>
-        <p:spPr>
-          <a:xfrm>
-            <a:off x="1843880" y="479245"/>
-            <a:ext cx="7763256" cy="760877"/>
-          </a:xfrm>
-        </p:spPr>
-        <p:txBody>
-          <a:bodyPr/>
-          <a:lstStyle/>
-          <a:p>
-            <a:r>
-              <a:rPr lang="en-US" sz="3200" dirty="0"/>
-              <a:t>WORKFLOW </a:t>
-            </a:r>
-            <a:br>
-              <a:rPr lang="en-US" sz="3200" dirty="0"/>
-            </a:br>
-            <a:endParaRPr lang="en-IN" sz="3200" dirty="0"/>
-          </a:p>
-        </p:txBody>
-      </p:sp>
-      <p:sp>
-        <p:nvSpPr>
-          <p:cNvPr id="4" name="TextBox 3">
-            <a:extLst>
-              <a:ext uri="{FF2B5EF4-FFF2-40B4-BE49-F238E27FC236}">
-                <a16:creationId xmlns:a16="http://schemas.microsoft.com/office/drawing/2014/main" id="{B312088F-32B3-92E0-4AF1-4EFADE8061AF}"/>
-              </a:ext>
-            </a:extLst>
-          </p:cNvPr>
-          <p:cNvSpPr txBox="1"/>
-          <p:nvPr/>
-        </p:nvSpPr>
-        <p:spPr>
-          <a:xfrm>
-            <a:off x="905085" y="1490008"/>
-            <a:ext cx="4026568" cy="1938992"/>
-          </a:xfrm>
-          <a:prstGeom prst="rect">
-            <a:avLst/>
-          </a:prstGeom>
-          <a:noFill/>
-        </p:spPr>
-        <p:txBody>
-          <a:bodyPr wrap="square" rtlCol="0">
-            <a:spAutoFit/>
-          </a:bodyPr>
-          <a:lstStyle/>
-          <a:p>
-            <a:r>
-              <a:rPr lang="en-US" sz="2400" b="1" dirty="0">
-                <a:solidFill>
-                  <a:schemeClr val="bg1"/>
-                </a:solidFill>
-              </a:rPr>
-              <a:t>Sources:</a:t>
-            </a:r>
-          </a:p>
-          <a:p>
-            <a:pPr marL="342900" indent="-342900">
-              <a:buAutoNum type="arabicPeriod"/>
-            </a:pPr>
-            <a:r>
-              <a:rPr lang="en-US" sz="2000" dirty="0">
-                <a:solidFill>
-                  <a:schemeClr val="bg1"/>
-                </a:solidFill>
-              </a:rPr>
-              <a:t>Finding best datasets from APIs </a:t>
-            </a:r>
-          </a:p>
-          <a:p>
-            <a:pPr marL="342900" indent="-342900">
-              <a:buAutoNum type="arabicPeriod"/>
-            </a:pPr>
-            <a:r>
-              <a:rPr lang="en-US" sz="2000" dirty="0">
-                <a:solidFill>
-                  <a:schemeClr val="bg1"/>
-                </a:solidFill>
-              </a:rPr>
-              <a:t>Those APIs are                                                                                                                                                                             Kaggle, Coin gecko etc.,</a:t>
-            </a:r>
-          </a:p>
-          <a:p>
-            <a:endParaRPr lang="en-US" dirty="0">
-              <a:solidFill>
-                <a:schemeClr val="bg1"/>
-              </a:solidFill>
-            </a:endParaRPr>
-          </a:p>
-          <a:p>
-            <a:endParaRPr lang="en-IN" dirty="0">
-              <a:solidFill>
-                <a:schemeClr val="bg1"/>
-              </a:solidFill>
-            </a:endParaRPr>
-          </a:p>
-        </p:txBody>
-      </p:sp>
-      <p:sp>
-        <p:nvSpPr>
-          <p:cNvPr id="5" name="TextBox 4">
-            <a:extLst>
-              <a:ext uri="{FF2B5EF4-FFF2-40B4-BE49-F238E27FC236}">
-                <a16:creationId xmlns:a16="http://schemas.microsoft.com/office/drawing/2014/main" id="{C50B6DED-14DB-24D2-C625-12562B4D742F}"/>
-              </a:ext>
-            </a:extLst>
-          </p:cNvPr>
-          <p:cNvSpPr txBox="1"/>
-          <p:nvPr/>
-        </p:nvSpPr>
-        <p:spPr>
-          <a:xfrm>
-            <a:off x="6984252" y="1636363"/>
-            <a:ext cx="4026568" cy="1354217"/>
-          </a:xfrm>
-          <a:prstGeom prst="rect">
-            <a:avLst/>
-          </a:prstGeom>
-          <a:noFill/>
-        </p:spPr>
-        <p:txBody>
-          <a:bodyPr wrap="square" rtlCol="0">
-            <a:spAutoFit/>
-          </a:bodyPr>
-          <a:lstStyle/>
-          <a:p>
-            <a:r>
-              <a:rPr lang="en-US" sz="2400" b="1" dirty="0">
-                <a:solidFill>
-                  <a:schemeClr val="bg1"/>
-                </a:solidFill>
-              </a:rPr>
-              <a:t>CRYPTOCURRENCIES:</a:t>
-            </a:r>
-          </a:p>
-          <a:p>
-            <a:r>
-              <a:rPr lang="en-ZA" dirty="0">
-                <a:solidFill>
-                  <a:schemeClr val="bg1"/>
-                </a:solidFill>
-              </a:rPr>
-              <a:t>	</a:t>
-            </a:r>
-            <a:r>
-              <a:rPr lang="en-ZA" sz="2000" dirty="0">
-                <a:solidFill>
-                  <a:schemeClr val="bg1"/>
-                </a:solidFill>
-              </a:rPr>
-              <a:t>List of various currencies like Bitcoin, Ethereum, etc..,</a:t>
-            </a:r>
-          </a:p>
-          <a:p>
-            <a:endParaRPr lang="en-IN" dirty="0">
-              <a:solidFill>
-                <a:schemeClr val="bg1"/>
-              </a:solidFill>
-            </a:endParaRPr>
-          </a:p>
-        </p:txBody>
-      </p:sp>
-      <p:sp>
-        <p:nvSpPr>
-          <p:cNvPr id="7" name="TextBox 6">
-            <a:extLst>
-              <a:ext uri="{FF2B5EF4-FFF2-40B4-BE49-F238E27FC236}">
-                <a16:creationId xmlns:a16="http://schemas.microsoft.com/office/drawing/2014/main" id="{98787DB4-FF2F-E203-216E-A37057E4CCDC}"/>
-              </a:ext>
-            </a:extLst>
-          </p:cNvPr>
-          <p:cNvSpPr txBox="1"/>
-          <p:nvPr/>
-        </p:nvSpPr>
-        <p:spPr>
-          <a:xfrm>
-            <a:off x="905085" y="3867420"/>
-            <a:ext cx="4026568" cy="1077218"/>
-          </a:xfrm>
-          <a:prstGeom prst="rect">
-            <a:avLst/>
-          </a:prstGeom>
-          <a:noFill/>
-        </p:spPr>
-        <p:txBody>
-          <a:bodyPr wrap="square" rtlCol="0">
-            <a:spAutoFit/>
-          </a:bodyPr>
-          <a:lstStyle/>
-          <a:p>
-            <a:r>
-              <a:rPr lang="en-US" sz="2400" b="1" dirty="0">
-                <a:solidFill>
-                  <a:schemeClr val="bg1"/>
-                </a:solidFill>
-              </a:rPr>
-              <a:t>FACTORS:</a:t>
-            </a:r>
-          </a:p>
-          <a:p>
-            <a:r>
-              <a:rPr lang="en-US" sz="2000" dirty="0">
-                <a:solidFill>
-                  <a:schemeClr val="bg1"/>
-                </a:solidFill>
-              </a:rPr>
-              <a:t>It involves in extracting based on Volume, Price, Market details</a:t>
-            </a:r>
-          </a:p>
-        </p:txBody>
-      </p:sp>
-      <p:sp>
-        <p:nvSpPr>
-          <p:cNvPr id="8" name="TextBox 7">
-            <a:extLst>
-              <a:ext uri="{FF2B5EF4-FFF2-40B4-BE49-F238E27FC236}">
-                <a16:creationId xmlns:a16="http://schemas.microsoft.com/office/drawing/2014/main" id="{54929B86-759F-98DB-391B-28D5B4F62ABE}"/>
-              </a:ext>
-            </a:extLst>
-          </p:cNvPr>
-          <p:cNvSpPr txBox="1"/>
-          <p:nvPr/>
-        </p:nvSpPr>
-        <p:spPr>
-          <a:xfrm>
-            <a:off x="6984252" y="3867420"/>
-            <a:ext cx="3545306" cy="1354217"/>
-          </a:xfrm>
-          <a:prstGeom prst="rect">
-            <a:avLst/>
-          </a:prstGeom>
-          <a:noFill/>
-        </p:spPr>
-        <p:txBody>
-          <a:bodyPr wrap="square" rtlCol="0">
-            <a:spAutoFit/>
-          </a:bodyPr>
-          <a:lstStyle/>
-          <a:p>
-            <a:r>
-              <a:rPr lang="en-US" sz="2400" b="1" dirty="0">
-                <a:solidFill>
-                  <a:schemeClr val="bg1"/>
-                </a:solidFill>
-              </a:rPr>
-              <a:t>TYPE OF FILE:</a:t>
-            </a:r>
-          </a:p>
-          <a:p>
-            <a:r>
-              <a:rPr lang="en-ZA" sz="2000" dirty="0">
-                <a:solidFill>
-                  <a:schemeClr val="bg1"/>
-                </a:solidFill>
-              </a:rPr>
-              <a:t>Extracted and the whole data in the form of CSV file.</a:t>
-            </a:r>
-          </a:p>
-          <a:p>
-            <a:endParaRPr lang="en-IN" dirty="0">
-              <a:solidFill>
-                <a:schemeClr val="bg1"/>
-              </a:solidFill>
-            </a:endParaRPr>
-          </a:p>
-        </p:txBody>
-      </p:sp>
-    </p:spTree>
-    <p:extLst>
-      <p:ext uri="{BB962C8B-B14F-4D97-AF65-F5344CB8AC3E}">
-        <p14:creationId xmlns:p14="http://schemas.microsoft.com/office/powerpoint/2010/main" val="2853824747"/>
       </p:ext>
     </p:extLst>
   </p:cSld>

--- a/CRYPTO.pptx
+++ b/CRYPTO.pptx
@@ -155,7 +155,7 @@
 <file path=ppt/revisionInfo.xml><?xml version="1.0" encoding="utf-8"?>
 <p1510:revInfo xmlns:a="http://schemas.openxmlformats.org/drawingml/2006/main" xmlns:r="http://schemas.openxmlformats.org/officeDocument/2006/relationships" xmlns:p1510="http://schemas.microsoft.com/office/powerpoint/2015/10/main">
   <p1510:revLst>
-    <p1510:client id="{B837E4E4-A97A-4704-A6C2-45D38C6003AD}" v="68" dt="2026-02-02T14:30:31.954"/>
+    <p1510:client id="{B837E4E4-A97A-4704-A6C2-45D38C6003AD}" v="70" dt="2026-02-02T14:41:32.765"/>
   </p1510:revLst>
 </p1510:revInfo>
 </file>
@@ -165,12 +165,12 @@
   <pc:docChgLst>
     <pc:chgData name="Atturu Jaganmohanreddy" userId="02001174c0b35c01" providerId="LiveId" clId="{C8E0087E-1F7E-4FB4-895F-C04A2D399884}"/>
     <pc:docChg chg="undo redo custSel addSld delSld modSld sldOrd">
-      <pc:chgData name="Atturu Jaganmohanreddy" userId="02001174c0b35c01" providerId="LiveId" clId="{C8E0087E-1F7E-4FB4-895F-C04A2D399884}" dt="2026-02-02T14:31:07.965" v="6018" actId="20577"/>
+      <pc:chgData name="Atturu Jaganmohanreddy" userId="02001174c0b35c01" providerId="LiveId" clId="{C8E0087E-1F7E-4FB4-895F-C04A2D399884}" dt="2026-02-02T14:42:21.903" v="6155" actId="113"/>
       <pc:docMkLst>
         <pc:docMk/>
       </pc:docMkLst>
-      <pc:sldChg chg="modSp mod">
-        <pc:chgData name="Atturu Jaganmohanreddy" userId="02001174c0b35c01" providerId="LiveId" clId="{C8E0087E-1F7E-4FB4-895F-C04A2D399884}" dt="2026-01-12T15:09:16.942" v="5442" actId="14100"/>
+      <pc:sldChg chg="addSp delSp modSp mod">
+        <pc:chgData name="Atturu Jaganmohanreddy" userId="02001174c0b35c01" providerId="LiveId" clId="{C8E0087E-1F7E-4FB4-895F-C04A2D399884}" dt="2026-02-02T14:42:21.903" v="6155" actId="113"/>
         <pc:sldMkLst>
           <pc:docMk/>
           <pc:sldMk cId="1723491119" sldId="530"/>
@@ -181,6 +181,30 @@
             <pc:docMk/>
             <pc:sldMk cId="1723491119" sldId="530"/>
             <ac:spMk id="2" creationId="{DC870DB4-0446-EF22-E8E0-3A5B83923AC0}"/>
+          </ac:spMkLst>
+        </pc:spChg>
+        <pc:spChg chg="mod">
+          <ac:chgData name="Atturu Jaganmohanreddy" userId="02001174c0b35c01" providerId="LiveId" clId="{C8E0087E-1F7E-4FB4-895F-C04A2D399884}" dt="2026-02-02T14:42:13.823" v="6154" actId="113"/>
+          <ac:spMkLst>
+            <pc:docMk/>
+            <pc:sldMk cId="1723491119" sldId="530"/>
+            <ac:spMk id="3" creationId="{696329B1-2D04-0F3A-1081-C5117D8CE122}"/>
+          </ac:spMkLst>
+        </pc:spChg>
+        <pc:spChg chg="add del mod">
+          <ac:chgData name="Atturu Jaganmohanreddy" userId="02001174c0b35c01" providerId="LiveId" clId="{C8E0087E-1F7E-4FB4-895F-C04A2D399884}" dt="2026-02-02T14:41:16.417" v="6110" actId="478"/>
+          <ac:spMkLst>
+            <pc:docMk/>
+            <pc:sldMk cId="1723491119" sldId="530"/>
+            <ac:spMk id="4" creationId="{871932DD-D714-23B0-0C7D-D8CC35226C12}"/>
+          </ac:spMkLst>
+        </pc:spChg>
+        <pc:spChg chg="add mod">
+          <ac:chgData name="Atturu Jaganmohanreddy" userId="02001174c0b35c01" providerId="LiveId" clId="{C8E0087E-1F7E-4FB4-895F-C04A2D399884}" dt="2026-02-02T14:42:21.903" v="6155" actId="113"/>
+          <ac:spMkLst>
+            <pc:docMk/>
+            <pc:sldMk cId="1723491119" sldId="530"/>
+            <ac:spMk id="5" creationId="{3F0274A4-0DE3-5697-A8EE-EF32158C5CBA}"/>
           </ac:spMkLst>
         </pc:spChg>
       </pc:sldChg>
@@ -17715,18 +17739,87 @@
             <p:ph type="subTitle" idx="1"/>
           </p:nvPr>
         </p:nvSpPr>
-        <p:spPr/>
+        <p:spPr>
+          <a:xfrm>
+            <a:off x="4562167" y="4204535"/>
+            <a:ext cx="3411794" cy="684523"/>
+          </a:xfrm>
+        </p:spPr>
         <p:txBody>
           <a:bodyPr/>
           <a:lstStyle/>
           <a:p>
             <a:r>
               <a:rPr lang="en-US" sz="1800" dirty="0"/>
-              <a:t>Atturu Jaganmohanreddy</a:t>
-            </a:r>
-          </a:p>
-          <a:p>
-            <a:endParaRPr lang="en-US" sz="1800" dirty="0"/>
+              <a:t>Mentor Name: </a:t>
+            </a:r>
+            <a:r>
+              <a:rPr lang="en-US" sz="1800" b="1" dirty="0"/>
+              <a:t>Ms. S. Sophiya</a:t>
+            </a:r>
+          </a:p>
+          <a:p>
+            <a:r>
+              <a:rPr lang="en-US" sz="1800" dirty="0"/>
+              <a:t>					</a:t>
+            </a:r>
+          </a:p>
+        </p:txBody>
+      </p:sp>
+      <p:sp>
+        <p:nvSpPr>
+          <p:cNvPr id="5" name="TextBox 4">
+            <a:extLst>
+              <a:ext uri="{FF2B5EF4-FFF2-40B4-BE49-F238E27FC236}">
+                <a16:creationId xmlns:a16="http://schemas.microsoft.com/office/drawing/2014/main" id="{3F0274A4-0DE3-5697-A8EE-EF32158C5CBA}"/>
+              </a:ext>
+            </a:extLst>
+          </p:cNvPr>
+          <p:cNvSpPr txBox="1"/>
+          <p:nvPr/>
+        </p:nvSpPr>
+        <p:spPr>
+          <a:xfrm>
+            <a:off x="8819536" y="5476568"/>
+            <a:ext cx="3677264" cy="646331"/>
+          </a:xfrm>
+          <a:prstGeom prst="rect">
+            <a:avLst/>
+          </a:prstGeom>
+          <a:noFill/>
+        </p:spPr>
+        <p:txBody>
+          <a:bodyPr wrap="square" rtlCol="0">
+            <a:spAutoFit/>
+          </a:bodyPr>
+          <a:lstStyle/>
+          <a:p>
+            <a:r>
+              <a:rPr lang="en-IN" dirty="0">
+                <a:solidFill>
+                  <a:schemeClr val="bg1"/>
+                </a:solidFill>
+              </a:rPr>
+              <a:t>By:</a:t>
+            </a:r>
+          </a:p>
+          <a:p>
+            <a:r>
+              <a:rPr lang="en-IN" dirty="0">
+                <a:solidFill>
+                  <a:schemeClr val="bg1"/>
+                </a:solidFill>
+              </a:rPr>
+              <a:t>     </a:t>
+            </a:r>
+            <a:r>
+              <a:rPr lang="en-IN" b="1" dirty="0">
+                <a:solidFill>
+                  <a:schemeClr val="bg1"/>
+                </a:solidFill>
+              </a:rPr>
+              <a:t>Atturu Jagan Mohan Reddy</a:t>
+            </a:r>
           </a:p>
         </p:txBody>
       </p:sp>
@@ -24223,6 +24316,26 @@
 </file>
 
 <file path=customXml/item2.xml><?xml version="1.0" encoding="utf-8"?>
+<p:properties xmlns:p="http://schemas.microsoft.com/office/2006/metadata/properties" xmlns:xsi="http://www.w3.org/2001/XMLSchema-instance" xmlns:pc="http://schemas.microsoft.com/office/infopath/2007/PartnerControls">
+  <documentManagement>
+    <_ip_UnifiedCompliancePolicyUIAction xmlns="http://schemas.microsoft.com/sharepoint/v3" xsi:nil="true"/>
+    <Image xmlns="71af3243-3dd4-4a8d-8c0d-dd76da1f02a5">
+      <Url xsi:nil="true"/>
+      <Description xsi:nil="true"/>
+    </Image>
+    <Status xmlns="71af3243-3dd4-4a8d-8c0d-dd76da1f02a5">Not started</Status>
+    <Background xmlns="71af3243-3dd4-4a8d-8c0d-dd76da1f02a5">false</Background>
+    <_ip_UnifiedCompliancePolicyProperties xmlns="http://schemas.microsoft.com/sharepoint/v3" xsi:nil="true"/>
+    <ImageTagsTaxHTField xmlns="71af3243-3dd4-4a8d-8c0d-dd76da1f02a5">
+      <Terms xmlns="http://schemas.microsoft.com/office/infopath/2007/PartnerControls"/>
+    </ImageTagsTaxHTField>
+    <TaxCatchAll xmlns="230e9df3-be65-4c73-a93b-d1236ebd677e" xsi:nil="true"/>
+    <MediaServiceKeyPoints xmlns="71af3243-3dd4-4a8d-8c0d-dd76da1f02a5" xsi:nil="true"/>
+  </documentManagement>
+</p:properties>
+</file>
+
+<file path=customXml/item3.xml><?xml version="1.0" encoding="utf-8"?>
 <ct:contentTypeSchema xmlns:ct="http://schemas.microsoft.com/office/2006/metadata/contentType" xmlns:ma="http://schemas.microsoft.com/office/2006/metadata/properties/metaAttributes" ct:_="" ma:_="" ma:contentTypeName="Document" ma:contentTypeID="0x01010079F111ED35F8CC479449609E8A0923A6" ma:contentTypeVersion="25" ma:contentTypeDescription="Create a new document." ma:contentTypeScope="" ma:versionID="e02306daf00165b375dc6a58966960be">
   <xsd:schema xmlns:xsd="http://www.w3.org/2001/XMLSchema" xmlns:xs="http://www.w3.org/2001/XMLSchema" xmlns:p="http://schemas.microsoft.com/office/2006/metadata/properties" xmlns:ns1="http://schemas.microsoft.com/sharepoint/v3" xmlns:ns2="71af3243-3dd4-4a8d-8c0d-dd76da1f02a5" xmlns:ns3="16c05727-aa75-4e4a-9b5f-8a80a1165891" xmlns:ns4="230e9df3-be65-4c73-a93b-d1236ebd677e" targetNamespace="http://schemas.microsoft.com/office/2006/metadata/properties" ma:root="true" ma:fieldsID="df88fb76bf5f555224557953949c1ec9" ns1:_="" ns2:_="" ns3:_="" ns4:_="">
     <xsd:import namespace="http://schemas.microsoft.com/sharepoint/v3"/>
@@ -24516,26 +24629,6 @@
 </ct:contentTypeSchema>
 </file>
 
-<file path=customXml/item3.xml><?xml version="1.0" encoding="utf-8"?>
-<p:properties xmlns:p="http://schemas.microsoft.com/office/2006/metadata/properties" xmlns:xsi="http://www.w3.org/2001/XMLSchema-instance" xmlns:pc="http://schemas.microsoft.com/office/infopath/2007/PartnerControls">
-  <documentManagement>
-    <_ip_UnifiedCompliancePolicyUIAction xmlns="http://schemas.microsoft.com/sharepoint/v3" xsi:nil="true"/>
-    <Image xmlns="71af3243-3dd4-4a8d-8c0d-dd76da1f02a5">
-      <Url xsi:nil="true"/>
-      <Description xsi:nil="true"/>
-    </Image>
-    <Status xmlns="71af3243-3dd4-4a8d-8c0d-dd76da1f02a5">Not started</Status>
-    <Background xmlns="71af3243-3dd4-4a8d-8c0d-dd76da1f02a5">false</Background>
-    <_ip_UnifiedCompliancePolicyProperties xmlns="http://schemas.microsoft.com/sharepoint/v3" xsi:nil="true"/>
-    <ImageTagsTaxHTField xmlns="71af3243-3dd4-4a8d-8c0d-dd76da1f02a5">
-      <Terms xmlns="http://schemas.microsoft.com/office/infopath/2007/PartnerControls"/>
-    </ImageTagsTaxHTField>
-    <TaxCatchAll xmlns="230e9df3-be65-4c73-a93b-d1236ebd677e" xsi:nil="true"/>
-    <MediaServiceKeyPoints xmlns="71af3243-3dd4-4a8d-8c0d-dd76da1f02a5" xsi:nil="true"/>
-  </documentManagement>
-</p:properties>
-</file>
-
 <file path=customXml/itemProps1.xml><?xml version="1.0" encoding="utf-8"?>
 <ds:datastoreItem xmlns:ds="http://schemas.openxmlformats.org/officeDocument/2006/customXml" ds:itemID="{4F1F1912-3146-44AF-A389-9E8B77BB3688}">
   <ds:schemaRefs>
@@ -24545,6 +24638,18 @@
 </file>
 
 <file path=customXml/itemProps2.xml><?xml version="1.0" encoding="utf-8"?>
+<ds:datastoreItem xmlns:ds="http://schemas.openxmlformats.org/officeDocument/2006/customXml" ds:itemID="{F8B8ECF1-2A9D-464C-AFE8-2B3295D0BF97}">
+  <ds:schemaRefs>
+    <ds:schemaRef ds:uri="http://schemas.microsoft.com/office/2006/metadata/properties"/>
+    <ds:schemaRef ds:uri="http://schemas.microsoft.com/office/infopath/2007/PartnerControls"/>
+    <ds:schemaRef ds:uri="http://schemas.microsoft.com/sharepoint/v3"/>
+    <ds:schemaRef ds:uri="71af3243-3dd4-4a8d-8c0d-dd76da1f02a5"/>
+    <ds:schemaRef ds:uri="230e9df3-be65-4c73-a93b-d1236ebd677e"/>
+  </ds:schemaRefs>
+</ds:datastoreItem>
+</file>
+
+<file path=customXml/itemProps3.xml><?xml version="1.0" encoding="utf-8"?>
 <ds:datastoreItem xmlns:ds="http://schemas.openxmlformats.org/officeDocument/2006/customXml" ds:itemID="{176493A3-2B83-4E58-86AD-56A2F2A20F12}">
   <ds:schemaRefs>
     <ds:schemaRef ds:uri="http://schemas.microsoft.com/office/2006/metadata/contentType"/>
@@ -24565,18 +24670,6 @@
 </ds:datastoreItem>
 </file>
 
-<file path=customXml/itemProps3.xml><?xml version="1.0" encoding="utf-8"?>
-<ds:datastoreItem xmlns:ds="http://schemas.openxmlformats.org/officeDocument/2006/customXml" ds:itemID="{F8B8ECF1-2A9D-464C-AFE8-2B3295D0BF97}">
-  <ds:schemaRefs>
-    <ds:schemaRef ds:uri="http://schemas.microsoft.com/office/2006/metadata/properties"/>
-    <ds:schemaRef ds:uri="http://schemas.microsoft.com/office/infopath/2007/PartnerControls"/>
-    <ds:schemaRef ds:uri="http://schemas.microsoft.com/sharepoint/v3"/>
-    <ds:schemaRef ds:uri="71af3243-3dd4-4a8d-8c0d-dd76da1f02a5"/>
-    <ds:schemaRef ds:uri="230e9df3-be65-4c73-a93b-d1236ebd677e"/>
-  </ds:schemaRefs>
-</ds:datastoreItem>
-</file>
-
 <file path=docMetadata/LabelInfo.xml><?xml version="1.0" encoding="utf-8"?>
 <clbl:labelList xmlns:clbl="http://schemas.microsoft.com/office/2020/mipLabelMetadata"/>
 </file>